--- a/slides/07_intro_numpy_slides.pptx
+++ b/slides/07_intro_numpy_slides.pptx
@@ -3549,85 +3549,23 @@
             </a:pPr>
             <a:r>
               <a:rPr>
-                <a:solidFill>
-                  <a:srgbClr val="003B4F"/>
-                </a:solidFill>
                 <a:latin typeface="Courier"/>
               </a:rPr>
-              <a:t>print(arr1[</a:t>
-            </a:r>
-            <a:r>
-              <a:rPr>
-                <a:solidFill>
-                  <a:srgbClr val="AD0000"/>
-                </a:solidFill>
-                <a:latin typeface="Courier"/>
-              </a:rPr>
-              <a:t>0</a:t>
-            </a:r>
-            <a:r>
-              <a:rPr>
-                <a:solidFill>
-                  <a:srgbClr val="003B4F"/>
-                </a:solidFill>
-                <a:latin typeface="Courier"/>
-              </a:rPr>
-              <a:t>])    </a:t>
-            </a:r>
-            <a:r>
-              <a:rPr>
-                <a:solidFill>
-                  <a:srgbClr val="5E5E5E"/>
-                </a:solidFill>
-                <a:latin typeface="Courier"/>
-              </a:rPr>
-              <a:t># First element</a:t>
-            </a:r>
-            <a:br/>
-            <a:r>
-              <a:rPr>
-                <a:solidFill>
-                  <a:srgbClr val="003B4F"/>
-                </a:solidFill>
-                <a:latin typeface="Courier"/>
-              </a:rPr>
-              <a:t>print(arr1[</a:t>
-            </a:r>
-            <a:r>
-              <a:rPr>
-                <a:solidFill>
-                  <a:srgbClr val="5E5E5E"/>
-                </a:solidFill>
-                <a:latin typeface="Courier"/>
-              </a:rPr>
-              <a:t>-</a:t>
-            </a:r>
-            <a:r>
-              <a:rPr>
-                <a:solidFill>
-                  <a:srgbClr val="AD0000"/>
-                </a:solidFill>
-                <a:latin typeface="Courier"/>
-              </a:rPr>
-              <a:t>1</a:t>
-            </a:r>
-            <a:r>
-              <a:rPr>
-                <a:solidFill>
-                  <a:srgbClr val="003B4F"/>
-                </a:solidFill>
-                <a:latin typeface="Courier"/>
-              </a:rPr>
-              <a:t>])   </a:t>
-            </a:r>
-            <a:r>
-              <a:rPr>
-                <a:solidFill>
-                  <a:srgbClr val="5E5E5E"/>
-                </a:solidFill>
-                <a:latin typeface="Courier"/>
-              </a:rPr>
-              <a:t># Last element</a:t>
+              <a:t>print(arr1[0])    # First element
+print(arr1[-1])   # Last element</a:t>
+            </a:r>
+          </a:p>
+          <a:p>
+            <a:pPr lvl="0" indent="0" marL="0">
+              <a:buNone/>
+            </a:pPr>
+            <a:r>
+              <a:rPr/>
+              <a:t>Again, similarly to lists, we can access regions of the array via </a:t>
+            </a:r>
+            <a:r>
+              <a:rPr b="1"/>
+              <a:t>slicing</a:t>
             </a:r>
           </a:p>
           <a:p>
@@ -3638,91 +3576,7 @@
               <a:rPr>
                 <a:latin typeface="Courier"/>
               </a:rPr>
-              <a:t>1.0
-8.0</a:t>
-            </a:r>
-          </a:p>
-          <a:p>
-            <a:pPr lvl="0" indent="0" marL="0">
-              <a:buNone/>
-            </a:pPr>
-            <a:r>
-              <a:rPr/>
-              <a:t>Again, similarly to lists, we can access regions of the array via </a:t>
-            </a:r>
-            <a:r>
-              <a:rPr b="1"/>
-              <a:t>slicing</a:t>
-            </a:r>
-          </a:p>
-          <a:p>
-            <a:pPr lvl="0" indent="0">
-              <a:buNone/>
-            </a:pPr>
-            <a:r>
-              <a:rPr>
-                <a:solidFill>
-                  <a:srgbClr val="003B4F"/>
-                </a:solidFill>
-                <a:latin typeface="Courier"/>
-              </a:rPr>
-              <a:t>print(arr1[</a:t>
-            </a:r>
-            <a:r>
-              <a:rPr>
-                <a:solidFill>
-                  <a:srgbClr val="AD0000"/>
-                </a:solidFill>
-                <a:latin typeface="Courier"/>
-              </a:rPr>
-              <a:t>3</a:t>
-            </a:r>
-            <a:r>
-              <a:rPr>
-                <a:solidFill>
-                  <a:srgbClr val="003B4F"/>
-                </a:solidFill>
-                <a:latin typeface="Courier"/>
-              </a:rPr>
-              <a:t>:</a:t>
-            </a:r>
-            <a:r>
-              <a:rPr>
-                <a:solidFill>
-                  <a:srgbClr val="AD0000"/>
-                </a:solidFill>
-                <a:latin typeface="Courier"/>
-              </a:rPr>
-              <a:t>6</a:t>
-            </a:r>
-            <a:r>
-              <a:rPr>
-                <a:solidFill>
-                  <a:srgbClr val="003B4F"/>
-                </a:solidFill>
-                <a:latin typeface="Courier"/>
-              </a:rPr>
-              <a:t>])  </a:t>
-            </a:r>
-            <a:r>
-              <a:rPr>
-                <a:solidFill>
-                  <a:srgbClr val="5E5E5E"/>
-                </a:solidFill>
-                <a:latin typeface="Courier"/>
-              </a:rPr>
-              <a:t># Elements from index 3 to 6</a:t>
-            </a:r>
-          </a:p>
-          <a:p>
-            <a:pPr lvl="0" indent="0">
-              <a:buNone/>
-            </a:pPr>
-            <a:r>
-              <a:rPr>
-                <a:latin typeface="Courier"/>
-              </a:rPr>
-              <a:t>[3. 5. 8.]</a:t>
+              <a:t>print(arr1[3:6])  # Elements from index 3 to 6</a:t>
             </a:r>
           </a:p>
         </p:txBody>
@@ -3824,102 +3678,9 @@
             </a:pPr>
             <a:r>
               <a:rPr>
-                <a:solidFill>
-                  <a:srgbClr val="003B4F"/>
-                </a:solidFill>
                 <a:latin typeface="Courier"/>
               </a:rPr>
-              <a:t>list1 </a:t>
-            </a:r>
-            <a:r>
-              <a:rPr>
-                <a:solidFill>
-                  <a:srgbClr val="5E5E5E"/>
-                </a:solidFill>
-                <a:latin typeface="Courier"/>
-              </a:rPr>
-              <a:t>=</a:t>
-            </a:r>
-            <a:r>
-              <a:rPr>
-                <a:solidFill>
-                  <a:srgbClr val="003B4F"/>
-                </a:solidFill>
-                <a:latin typeface="Courier"/>
-              </a:rPr>
-              <a:t> [</a:t>
-            </a:r>
-            <a:r>
-              <a:rPr>
-                <a:solidFill>
-                  <a:srgbClr val="AD0000"/>
-                </a:solidFill>
-                <a:latin typeface="Courier"/>
-              </a:rPr>
-              <a:t>1</a:t>
-            </a:r>
-            <a:r>
-              <a:rPr>
-                <a:solidFill>
-                  <a:srgbClr val="003B4F"/>
-                </a:solidFill>
-                <a:latin typeface="Courier"/>
-              </a:rPr>
-              <a:t>,</a:t>
-            </a:r>
-            <a:r>
-              <a:rPr>
-                <a:solidFill>
-                  <a:srgbClr val="AD0000"/>
-                </a:solidFill>
-                <a:latin typeface="Courier"/>
-              </a:rPr>
-              <a:t>2</a:t>
-            </a:r>
-            <a:r>
-              <a:rPr>
-                <a:solidFill>
-                  <a:srgbClr val="003B4F"/>
-                </a:solidFill>
-                <a:latin typeface="Courier"/>
-              </a:rPr>
-              <a:t>,</a:t>
-            </a:r>
-            <a:r>
-              <a:rPr>
-                <a:solidFill>
-                  <a:srgbClr val="AD0000"/>
-                </a:solidFill>
-                <a:latin typeface="Courier"/>
-              </a:rPr>
-              <a:t>3</a:t>
-            </a:r>
-            <a:r>
-              <a:rPr>
-                <a:solidFill>
-                  <a:srgbClr val="003B4F"/>
-                </a:solidFill>
-                <a:latin typeface="Courier"/>
-              </a:rPr>
-              <a:t>,</a:t>
-            </a:r>
-            <a:r>
-              <a:rPr>
-                <a:solidFill>
-                  <a:srgbClr val="AD0000"/>
-                </a:solidFill>
-                <a:latin typeface="Courier"/>
-              </a:rPr>
-              <a:t>4</a:t>
-            </a:r>
-            <a:r>
-              <a:rPr>
-                <a:solidFill>
-                  <a:srgbClr val="003B4F"/>
-                </a:solidFill>
-                <a:latin typeface="Courier"/>
-              </a:rPr>
-              <a:t>]</a:t>
+              <a:t>list1 = [1,2,3,4]</a:t>
             </a:r>
           </a:p>
           <a:p>
@@ -3929,122 +3690,6 @@
             <a:r>
               <a:rPr/>
               <a:t>We need to loop over all of them and create a new list</a:t>
-            </a:r>
-          </a:p>
-          <a:p>
-            <a:pPr lvl="0" indent="0">
-              <a:buNone/>
-            </a:pPr>
-            <a:r>
-              <a:rPr>
-                <a:solidFill>
-                  <a:srgbClr val="003B4F"/>
-                </a:solidFill>
-                <a:latin typeface="Courier"/>
-              </a:rPr>
-              <a:t>list2 </a:t>
-            </a:r>
-            <a:r>
-              <a:rPr>
-                <a:solidFill>
-                  <a:srgbClr val="5E5E5E"/>
-                </a:solidFill>
-                <a:latin typeface="Courier"/>
-              </a:rPr>
-              <a:t>=</a:t>
-            </a:r>
-            <a:r>
-              <a:rPr>
-                <a:solidFill>
-                  <a:srgbClr val="003B4F"/>
-                </a:solidFill>
-                <a:latin typeface="Courier"/>
-              </a:rPr>
-              <a:t> []</a:t>
-            </a:r>
-            <a:br/>
-            <a:r>
-              <a:rPr b="1">
-                <a:solidFill>
-                  <a:srgbClr val="003B4F"/>
-                </a:solidFill>
-                <a:latin typeface="Courier"/>
-              </a:rPr>
-              <a:t>for</a:t>
-            </a:r>
-            <a:r>
-              <a:rPr>
-                <a:solidFill>
-                  <a:srgbClr val="003B4F"/>
-                </a:solidFill>
-                <a:latin typeface="Courier"/>
-              </a:rPr>
-              <a:t> item </a:t>
-            </a:r>
-            <a:r>
-              <a:rPr b="1">
-                <a:solidFill>
-                  <a:srgbClr val="003B4F"/>
-                </a:solidFill>
-                <a:latin typeface="Courier"/>
-              </a:rPr>
-              <a:t>in</a:t>
-            </a:r>
-            <a:r>
-              <a:rPr>
-                <a:solidFill>
-                  <a:srgbClr val="003B4F"/>
-                </a:solidFill>
-                <a:latin typeface="Courier"/>
-              </a:rPr>
-              <a:t> list1:</a:t>
-            </a:r>
-            <a:br/>
-            <a:r>
-              <a:rPr>
-                <a:solidFill>
-                  <a:srgbClr val="003B4F"/>
-                </a:solidFill>
-                <a:latin typeface="Courier"/>
-              </a:rPr>
-              <a:t>    list2.append(</a:t>
-            </a:r>
-            <a:r>
-              <a:rPr>
-                <a:solidFill>
-                  <a:srgbClr val="AD0000"/>
-                </a:solidFill>
-                <a:latin typeface="Courier"/>
-              </a:rPr>
-              <a:t>2</a:t>
-            </a:r>
-            <a:r>
-              <a:rPr>
-                <a:solidFill>
-                  <a:srgbClr val="5E5E5E"/>
-                </a:solidFill>
-                <a:latin typeface="Courier"/>
-              </a:rPr>
-              <a:t>*</a:t>
-            </a:r>
-            <a:r>
-              <a:rPr>
-                <a:solidFill>
-                  <a:srgbClr val="003B4F"/>
-                </a:solidFill>
-                <a:latin typeface="Courier"/>
-              </a:rPr>
-              <a:t>item)</a:t>
-            </a:r>
-            <a:br/>
-            <a:r>
-              <a:rPr>
-                <a:solidFill>
-                  <a:srgbClr val="003B4F"/>
-                </a:solidFill>
-                <a:latin typeface="Courier"/>
-              </a:rPr>
-              <a:t>print(list2)</a:t>
             </a:r>
           </a:p>
           <a:p>
@@ -4055,7 +3700,10 @@
               <a:rPr>
                 <a:latin typeface="Courier"/>
               </a:rPr>
-              <a:t>[2, 4, 6, 8]</a:t>
+              <a:t>list2 = []
+for item in list1:
+    list2.append(2*item)
+print(list2)</a:t>
             </a:r>
           </a:p>
           <a:p>
@@ -4077,93 +3725,9 @@
             </a:pPr>
             <a:r>
               <a:rPr>
-                <a:solidFill>
-                  <a:srgbClr val="003B4F"/>
-                </a:solidFill>
                 <a:latin typeface="Courier"/>
               </a:rPr>
-              <a:t>list2 </a:t>
-            </a:r>
-            <a:r>
-              <a:rPr>
-                <a:solidFill>
-                  <a:srgbClr val="5E5E5E"/>
-                </a:solidFill>
-                <a:latin typeface="Courier"/>
-              </a:rPr>
-              <a:t>=</a:t>
-            </a:r>
-            <a:r>
-              <a:rPr>
-                <a:solidFill>
-                  <a:srgbClr val="003B4F"/>
-                </a:solidFill>
-                <a:latin typeface="Courier"/>
-              </a:rPr>
-              <a:t> [item</a:t>
-            </a:r>
-            <a:r>
-              <a:rPr>
-                <a:solidFill>
-                  <a:srgbClr val="5E5E5E"/>
-                </a:solidFill>
-                <a:latin typeface="Courier"/>
-              </a:rPr>
-              <a:t>*</a:t>
-            </a:r>
-            <a:r>
-              <a:rPr>
-                <a:solidFill>
-                  <a:srgbClr val="AD0000"/>
-                </a:solidFill>
-                <a:latin typeface="Courier"/>
-              </a:rPr>
-              <a:t>2</a:t>
-            </a:r>
-            <a:r>
-              <a:rPr>
-                <a:solidFill>
-                  <a:srgbClr val="003B4F"/>
-                </a:solidFill>
-                <a:latin typeface="Courier"/>
-              </a:rPr>
-              <a:t> </a:t>
-            </a:r>
-            <a:r>
-              <a:rPr b="1">
-                <a:solidFill>
-                  <a:srgbClr val="003B4F"/>
-                </a:solidFill>
-                <a:latin typeface="Courier"/>
-              </a:rPr>
-              <a:t>for</a:t>
-            </a:r>
-            <a:r>
-              <a:rPr>
-                <a:solidFill>
-                  <a:srgbClr val="003B4F"/>
-                </a:solidFill>
-                <a:latin typeface="Courier"/>
-              </a:rPr>
-              <a:t> item </a:t>
-            </a:r>
-            <a:r>
-              <a:rPr b="1">
-                <a:solidFill>
-                  <a:srgbClr val="003B4F"/>
-                </a:solidFill>
-                <a:latin typeface="Courier"/>
-              </a:rPr>
-              <a:t>in</a:t>
-            </a:r>
-            <a:r>
-              <a:rPr>
-                <a:solidFill>
-                  <a:srgbClr val="003B4F"/>
-                </a:solidFill>
-                <a:latin typeface="Courier"/>
-              </a:rPr>
-              <a:t> list1]</a:t>
+              <a:t>list2 = [item*2 for item in list1]</a:t>
             </a:r>
           </a:p>
           <a:p>
@@ -4283,106 +3847,11 @@
             </a:pPr>
             <a:r>
               <a:rPr>
-                <a:solidFill>
-                  <a:srgbClr val="003B4F"/>
-                </a:solidFill>
                 <a:latin typeface="Courier"/>
               </a:rPr>
-              <a:t>arr1 </a:t>
-            </a:r>
-            <a:r>
-              <a:rPr>
-                <a:solidFill>
-                  <a:srgbClr val="5E5E5E"/>
-                </a:solidFill>
-                <a:latin typeface="Courier"/>
-              </a:rPr>
-              <a:t>=</a:t>
-            </a:r>
-            <a:r>
-              <a:rPr>
-                <a:solidFill>
-                  <a:srgbClr val="003B4F"/>
-                </a:solidFill>
-                <a:latin typeface="Courier"/>
-              </a:rPr>
-              <a:t> np.array(list1)</a:t>
-            </a:r>
-            <a:br/>
-            <a:r>
-              <a:rPr>
-                <a:solidFill>
-                  <a:srgbClr val="003B4F"/>
-                </a:solidFill>
-                <a:latin typeface="Courier"/>
-              </a:rPr>
-              <a:t>arr2 </a:t>
-            </a:r>
-            <a:r>
-              <a:rPr>
-                <a:solidFill>
-                  <a:srgbClr val="5E5E5E"/>
-                </a:solidFill>
-                <a:latin typeface="Courier"/>
-              </a:rPr>
-              <a:t>=</a:t>
-            </a:r>
-            <a:r>
-              <a:rPr>
-                <a:solidFill>
-                  <a:srgbClr val="003B4F"/>
-                </a:solidFill>
-                <a:latin typeface="Courier"/>
-              </a:rPr>
-              <a:t> </a:t>
-            </a:r>
-            <a:r>
-              <a:rPr>
-                <a:solidFill>
-                  <a:srgbClr val="AD0000"/>
-                </a:solidFill>
-                <a:latin typeface="Courier"/>
-              </a:rPr>
-              <a:t>2</a:t>
-            </a:r>
-            <a:r>
-              <a:rPr>
-                <a:solidFill>
-                  <a:srgbClr val="5E5E5E"/>
-                </a:solidFill>
-                <a:latin typeface="Courier"/>
-              </a:rPr>
-              <a:t>*</a:t>
-            </a:r>
-            <a:r>
-              <a:rPr>
-                <a:solidFill>
-                  <a:srgbClr val="003B4F"/>
-                </a:solidFill>
-                <a:latin typeface="Courier"/>
-              </a:rPr>
-              <a:t>arr1</a:t>
-            </a:r>
-            <a:br/>
-            <a:r>
-              <a:rPr>
-                <a:solidFill>
-                  <a:srgbClr val="003B4F"/>
-                </a:solidFill>
-                <a:latin typeface="Courier"/>
-              </a:rPr>
-              <a:t>print(arr2)</a:t>
-            </a:r>
-          </a:p>
-          <a:p>
-            <a:pPr lvl="0" indent="0">
-              <a:buNone/>
-            </a:pPr>
-            <a:r>
-              <a:rPr>
-                <a:latin typeface="Courier"/>
-              </a:rPr>
-              <a:t>[2 4 6 8]</a:t>
+              <a:t>arr1 = np.array(list1)
+arr2 = 2*arr1
+print(arr2)</a:t>
             </a:r>
           </a:p>
           <a:p>
@@ -4511,86 +3980,11 @@
             </a:pPr>
             <a:r>
               <a:rPr>
-                <a:solidFill>
-                  <a:srgbClr val="5E5E5E"/>
-                </a:solidFill>
                 <a:latin typeface="Courier"/>
               </a:rPr>
-              <a:t># Create a large list and array</a:t>
-            </a:r>
-            <a:br/>
-            <a:r>
-              <a:rPr>
-                <a:solidFill>
-                  <a:srgbClr val="003B4F"/>
-                </a:solidFill>
-                <a:latin typeface="Courier"/>
-              </a:rPr>
-              <a:t>large_list </a:t>
-            </a:r>
-            <a:r>
-              <a:rPr>
-                <a:solidFill>
-                  <a:srgbClr val="5E5E5E"/>
-                </a:solidFill>
-                <a:latin typeface="Courier"/>
-              </a:rPr>
-              <a:t>=</a:t>
-            </a:r>
-            <a:r>
-              <a:rPr>
-                <a:solidFill>
-                  <a:srgbClr val="003B4F"/>
-                </a:solidFill>
-                <a:latin typeface="Courier"/>
-              </a:rPr>
-              <a:t> list(range(</a:t>
-            </a:r>
-            <a:r>
-              <a:rPr>
-                <a:solidFill>
-                  <a:srgbClr val="AD0000"/>
-                </a:solidFill>
-                <a:latin typeface="Courier"/>
-              </a:rPr>
-              <a:t>1_000_000</a:t>
-            </a:r>
-            <a:r>
-              <a:rPr>
-                <a:solidFill>
-                  <a:srgbClr val="003B4F"/>
-                </a:solidFill>
-                <a:latin typeface="Courier"/>
-              </a:rPr>
-              <a:t>))</a:t>
-            </a:r>
-            <a:br/>
-            <a:r>
-              <a:rPr>
-                <a:solidFill>
-                  <a:srgbClr val="003B4F"/>
-                </a:solidFill>
-                <a:latin typeface="Courier"/>
-              </a:rPr>
-              <a:t>large_array </a:t>
-            </a:r>
-            <a:r>
-              <a:rPr>
-                <a:solidFill>
-                  <a:srgbClr val="5E5E5E"/>
-                </a:solidFill>
-                <a:latin typeface="Courier"/>
-              </a:rPr>
-              <a:t>=</a:t>
-            </a:r>
-            <a:r>
-              <a:rPr>
-                <a:solidFill>
-                  <a:srgbClr val="003B4F"/>
-                </a:solidFill>
-                <a:latin typeface="Courier"/>
-              </a:rPr>
-              <a:t> np.array(large_list)</a:t>
+              <a:t># Create a large list and array
+large_list = list(range(1_000_000))
+large_array = np.array(large_list)</a:t>
             </a:r>
           </a:p>
           <a:p>
@@ -4600,481 +3994,6 @@
             <a:r>
               <a:rPr/>
               <a:t>And then track the time for the two operations</a:t>
-            </a:r>
-          </a:p>
-          <a:p>
-            <a:pPr lvl="0" indent="0">
-              <a:buNone/>
-            </a:pPr>
-            <a:r>
-              <a:rPr>
-                <a:solidFill>
-                  <a:srgbClr val="00769E"/>
-                </a:solidFill>
-                <a:latin typeface="Courier"/>
-              </a:rPr>
-              <a:t>import</a:t>
-            </a:r>
-            <a:r>
-              <a:rPr>
-                <a:solidFill>
-                  <a:srgbClr val="003B4F"/>
-                </a:solidFill>
-                <a:latin typeface="Courier"/>
-              </a:rPr>
-              <a:t> time</a:t>
-            </a:r>
-            <a:br/>
-            <a:r>
-              <a:rPr>
-                <a:solidFill>
-                  <a:srgbClr val="5E5E5E"/>
-                </a:solidFill>
-                <a:latin typeface="Courier"/>
-              </a:rPr>
-              <a:t>#  Track the time taken for the list multiplication</a:t>
-            </a:r>
-            <a:br/>
-            <a:r>
-              <a:rPr>
-                <a:solidFill>
-                  <a:srgbClr val="003B4F"/>
-                </a:solidFill>
-                <a:latin typeface="Courier"/>
-              </a:rPr>
-              <a:t>start </a:t>
-            </a:r>
-            <a:r>
-              <a:rPr>
-                <a:solidFill>
-                  <a:srgbClr val="5E5E5E"/>
-                </a:solidFill>
-                <a:latin typeface="Courier"/>
-              </a:rPr>
-              <a:t>=</a:t>
-            </a:r>
-            <a:r>
-              <a:rPr>
-                <a:solidFill>
-                  <a:srgbClr val="003B4F"/>
-                </a:solidFill>
-                <a:latin typeface="Courier"/>
-              </a:rPr>
-              <a:t> time.time()</a:t>
-            </a:r>
-            <a:br/>
-            <a:r>
-              <a:rPr>
-                <a:solidFill>
-                  <a:srgbClr val="003B4F"/>
-                </a:solidFill>
-                <a:latin typeface="Courier"/>
-              </a:rPr>
-              <a:t>list_result </a:t>
-            </a:r>
-            <a:r>
-              <a:rPr>
-                <a:solidFill>
-                  <a:srgbClr val="5E5E5E"/>
-                </a:solidFill>
-                <a:latin typeface="Courier"/>
-              </a:rPr>
-              <a:t>=</a:t>
-            </a:r>
-            <a:r>
-              <a:rPr>
-                <a:solidFill>
-                  <a:srgbClr val="003B4F"/>
-                </a:solidFill>
-                <a:latin typeface="Courier"/>
-              </a:rPr>
-              <a:t> [x </a:t>
-            </a:r>
-            <a:r>
-              <a:rPr>
-                <a:solidFill>
-                  <a:srgbClr val="5E5E5E"/>
-                </a:solidFill>
-                <a:latin typeface="Courier"/>
-              </a:rPr>
-              <a:t>*</a:t>
-            </a:r>
-            <a:r>
-              <a:rPr>
-                <a:solidFill>
-                  <a:srgbClr val="003B4F"/>
-                </a:solidFill>
-                <a:latin typeface="Courier"/>
-              </a:rPr>
-              <a:t> </a:t>
-            </a:r>
-            <a:r>
-              <a:rPr>
-                <a:solidFill>
-                  <a:srgbClr val="AD0000"/>
-                </a:solidFill>
-                <a:latin typeface="Courier"/>
-              </a:rPr>
-              <a:t>2</a:t>
-            </a:r>
-            <a:r>
-              <a:rPr>
-                <a:solidFill>
-                  <a:srgbClr val="003B4F"/>
-                </a:solidFill>
-                <a:latin typeface="Courier"/>
-              </a:rPr>
-              <a:t> </a:t>
-            </a:r>
-            <a:r>
-              <a:rPr b="1">
-                <a:solidFill>
-                  <a:srgbClr val="003B4F"/>
-                </a:solidFill>
-                <a:latin typeface="Courier"/>
-              </a:rPr>
-              <a:t>for</a:t>
-            </a:r>
-            <a:r>
-              <a:rPr>
-                <a:solidFill>
-                  <a:srgbClr val="003B4F"/>
-                </a:solidFill>
-                <a:latin typeface="Courier"/>
-              </a:rPr>
-              <a:t> x </a:t>
-            </a:r>
-            <a:r>
-              <a:rPr b="1">
-                <a:solidFill>
-                  <a:srgbClr val="003B4F"/>
-                </a:solidFill>
-                <a:latin typeface="Courier"/>
-              </a:rPr>
-              <a:t>in</a:t>
-            </a:r>
-            <a:r>
-              <a:rPr>
-                <a:solidFill>
-                  <a:srgbClr val="003B4F"/>
-                </a:solidFill>
-                <a:latin typeface="Courier"/>
-              </a:rPr>
-              <a:t> large_list]</a:t>
-            </a:r>
-            <a:br/>
-            <a:r>
-              <a:rPr>
-                <a:solidFill>
-                  <a:srgbClr val="003B4F"/>
-                </a:solidFill>
-                <a:latin typeface="Courier"/>
-              </a:rPr>
-              <a:t>end </a:t>
-            </a:r>
-            <a:r>
-              <a:rPr>
-                <a:solidFill>
-                  <a:srgbClr val="5E5E5E"/>
-                </a:solidFill>
-                <a:latin typeface="Courier"/>
-              </a:rPr>
-              <a:t>=</a:t>
-            </a:r>
-            <a:r>
-              <a:rPr>
-                <a:solidFill>
-                  <a:srgbClr val="003B4F"/>
-                </a:solidFill>
-                <a:latin typeface="Courier"/>
-              </a:rPr>
-              <a:t> time.time()</a:t>
-            </a:r>
-            <a:br/>
-            <a:r>
-              <a:rPr>
-                <a:solidFill>
-                  <a:srgbClr val="003B4F"/>
-                </a:solidFill>
-                <a:latin typeface="Courier"/>
-              </a:rPr>
-              <a:t>print(</a:t>
-            </a:r>
-            <a:r>
-              <a:rPr>
-                <a:solidFill>
-                  <a:srgbClr val="20794D"/>
-                </a:solidFill>
-                <a:latin typeface="Courier"/>
-              </a:rPr>
-              <a:t>f"List comprehension time: </a:t>
-            </a:r>
-            <a:r>
-              <a:rPr>
-                <a:solidFill>
-                  <a:srgbClr val="5E5E5E"/>
-                </a:solidFill>
-                <a:latin typeface="Courier"/>
-              </a:rPr>
-              <a:t>{</a:t>
-            </a:r>
-            <a:r>
-              <a:rPr>
-                <a:solidFill>
-                  <a:srgbClr val="003B4F"/>
-                </a:solidFill>
-                <a:latin typeface="Courier"/>
-              </a:rPr>
-              <a:t>end </a:t>
-            </a:r>
-            <a:r>
-              <a:rPr>
-                <a:solidFill>
-                  <a:srgbClr val="5E5E5E"/>
-                </a:solidFill>
-                <a:latin typeface="Courier"/>
-              </a:rPr>
-              <a:t>-</a:t>
-            </a:r>
-            <a:r>
-              <a:rPr>
-                <a:solidFill>
-                  <a:srgbClr val="003B4F"/>
-                </a:solidFill>
-                <a:latin typeface="Courier"/>
-              </a:rPr>
-              <a:t> start</a:t>
-            </a:r>
-            <a:r>
-              <a:rPr>
-                <a:solidFill>
-                  <a:srgbClr val="5E5E5E"/>
-                </a:solidFill>
-                <a:latin typeface="Courier"/>
-              </a:rPr>
-              <a:t>:.5f}</a:t>
-            </a:r>
-            <a:r>
-              <a:rPr>
-                <a:solidFill>
-                  <a:srgbClr val="20794D"/>
-                </a:solidFill>
-                <a:latin typeface="Courier"/>
-              </a:rPr>
-              <a:t> seconds"</a:t>
-            </a:r>
-            <a:r>
-              <a:rPr>
-                <a:solidFill>
-                  <a:srgbClr val="003B4F"/>
-                </a:solidFill>
-                <a:latin typeface="Courier"/>
-              </a:rPr>
-              <a:t>)</a:t>
-            </a:r>
-            <a:br/>
-            <a:br/>
-            <a:r>
-              <a:rPr>
-                <a:solidFill>
-                  <a:srgbClr val="5E5E5E"/>
-                </a:solidFill>
-                <a:latin typeface="Courier"/>
-              </a:rPr>
-              <a:t># Time array multiplication</a:t>
-            </a:r>
-            <a:br/>
-            <a:r>
-              <a:rPr>
-                <a:solidFill>
-                  <a:srgbClr val="003B4F"/>
-                </a:solidFill>
-                <a:latin typeface="Courier"/>
-              </a:rPr>
-              <a:t>start </a:t>
-            </a:r>
-            <a:r>
-              <a:rPr>
-                <a:solidFill>
-                  <a:srgbClr val="5E5E5E"/>
-                </a:solidFill>
-                <a:latin typeface="Courier"/>
-              </a:rPr>
-              <a:t>=</a:t>
-            </a:r>
-            <a:r>
-              <a:rPr>
-                <a:solidFill>
-                  <a:srgbClr val="003B4F"/>
-                </a:solidFill>
-                <a:latin typeface="Courier"/>
-              </a:rPr>
-              <a:t> time.time()</a:t>
-            </a:r>
-            <a:br/>
-            <a:r>
-              <a:rPr>
-                <a:solidFill>
-                  <a:srgbClr val="003B4F"/>
-                </a:solidFill>
-                <a:latin typeface="Courier"/>
-              </a:rPr>
-              <a:t>array_result </a:t>
-            </a:r>
-            <a:r>
-              <a:rPr>
-                <a:solidFill>
-                  <a:srgbClr val="5E5E5E"/>
-                </a:solidFill>
-                <a:latin typeface="Courier"/>
-              </a:rPr>
-              <a:t>=</a:t>
-            </a:r>
-            <a:r>
-              <a:rPr>
-                <a:solidFill>
-                  <a:srgbClr val="003B4F"/>
-                </a:solidFill>
-                <a:latin typeface="Courier"/>
-              </a:rPr>
-              <a:t> large_array </a:t>
-            </a:r>
-            <a:r>
-              <a:rPr>
-                <a:solidFill>
-                  <a:srgbClr val="5E5E5E"/>
-                </a:solidFill>
-                <a:latin typeface="Courier"/>
-              </a:rPr>
-              <a:t>*</a:t>
-            </a:r>
-            <a:r>
-              <a:rPr>
-                <a:solidFill>
-                  <a:srgbClr val="003B4F"/>
-                </a:solidFill>
-                <a:latin typeface="Courier"/>
-              </a:rPr>
-              <a:t> </a:t>
-            </a:r>
-            <a:r>
-              <a:rPr>
-                <a:solidFill>
-                  <a:srgbClr val="AD0000"/>
-                </a:solidFill>
-                <a:latin typeface="Courier"/>
-              </a:rPr>
-              <a:t>2</a:t>
-            </a:r>
-            <a:br/>
-            <a:r>
-              <a:rPr>
-                <a:solidFill>
-                  <a:srgbClr val="003B4F"/>
-                </a:solidFill>
-                <a:latin typeface="Courier"/>
-              </a:rPr>
-              <a:t>end </a:t>
-            </a:r>
-            <a:r>
-              <a:rPr>
-                <a:solidFill>
-                  <a:srgbClr val="5E5E5E"/>
-                </a:solidFill>
-                <a:latin typeface="Courier"/>
-              </a:rPr>
-              <a:t>=</a:t>
-            </a:r>
-            <a:r>
-              <a:rPr>
-                <a:solidFill>
-                  <a:srgbClr val="003B4F"/>
-                </a:solidFill>
-                <a:latin typeface="Courier"/>
-              </a:rPr>
-              <a:t> time.time()</a:t>
-            </a:r>
-            <a:br/>
-            <a:r>
-              <a:rPr>
-                <a:solidFill>
-                  <a:srgbClr val="003B4F"/>
-                </a:solidFill>
-                <a:latin typeface="Courier"/>
-              </a:rPr>
-              <a:t>print(</a:t>
-            </a:r>
-            <a:r>
-              <a:rPr>
-                <a:solidFill>
-                  <a:srgbClr val="20794D"/>
-                </a:solidFill>
-                <a:latin typeface="Courier"/>
-              </a:rPr>
-              <a:t>f"NumPy array time: </a:t>
-            </a:r>
-            <a:r>
-              <a:rPr>
-                <a:solidFill>
-                  <a:srgbClr val="5E5E5E"/>
-                </a:solidFill>
-                <a:latin typeface="Courier"/>
-              </a:rPr>
-              <a:t>{</a:t>
-            </a:r>
-            <a:r>
-              <a:rPr>
-                <a:solidFill>
-                  <a:srgbClr val="003B4F"/>
-                </a:solidFill>
-                <a:latin typeface="Courier"/>
-              </a:rPr>
-              <a:t>end </a:t>
-            </a:r>
-            <a:r>
-              <a:rPr>
-                <a:solidFill>
-                  <a:srgbClr val="5E5E5E"/>
-                </a:solidFill>
-                <a:latin typeface="Courier"/>
-              </a:rPr>
-              <a:t>-</a:t>
-            </a:r>
-            <a:r>
-              <a:rPr>
-                <a:solidFill>
-                  <a:srgbClr val="003B4F"/>
-                </a:solidFill>
-                <a:latin typeface="Courier"/>
-              </a:rPr>
-              <a:t> start</a:t>
-            </a:r>
-            <a:r>
-              <a:rPr>
-                <a:solidFill>
-                  <a:srgbClr val="5E5E5E"/>
-                </a:solidFill>
-                <a:latin typeface="Courier"/>
-              </a:rPr>
-              <a:t>:.5f}</a:t>
-            </a:r>
-            <a:r>
-              <a:rPr>
-                <a:solidFill>
-                  <a:srgbClr val="20794D"/>
-                </a:solidFill>
-                <a:latin typeface="Courier"/>
-              </a:rPr>
-              <a:t> seconds"</a:t>
-            </a:r>
-            <a:r>
-              <a:rPr>
-                <a:solidFill>
-                  <a:srgbClr val="003B4F"/>
-                </a:solidFill>
-                <a:latin typeface="Courier"/>
-              </a:rPr>
-              <a:t>)</a:t>
             </a:r>
           </a:p>
           <a:p>
@@ -5085,8 +4004,17 @@
               <a:rPr>
                 <a:latin typeface="Courier"/>
               </a:rPr>
-              <a:t>List comprehension time: 0.01232 seconds
-NumPy array time: 0.00058 seconds</a:t>
+              <a:t>import time
+#  Track the time taken for the list multiplication
+start = time.time()
+list_result = [x * 2 for x in large_list]
+end = time.time()
+print(f"List comprehension time: {end - start:.5f} seconds")
+# Time array multiplication
+start = time.time()
+array_result = large_array * 2
+end = time.time()
+print(f"NumPy array time: {end - start:.5f} seconds")</a:t>
             </a:r>
           </a:p>
         </p:txBody>
@@ -5225,258 +4153,34 @@
             </a:pPr>
             <a:r>
               <a:rPr>
-                <a:solidFill>
-                  <a:srgbClr val="5E5E5E"/>
-                </a:solidFill>
                 <a:latin typeface="Courier"/>
               </a:rPr>
-              <a:t># Element-wise functions</a:t>
-            </a:r>
-            <a:br/>
-            <a:r>
-              <a:rPr>
-                <a:solidFill>
-                  <a:srgbClr val="003B4F"/>
-                </a:solidFill>
-                <a:latin typeface="Courier"/>
-              </a:rPr>
-              <a:t>print(</a:t>
-            </a:r>
-            <a:r>
-              <a:rPr>
-                <a:solidFill>
-                  <a:srgbClr val="20794D"/>
-                </a:solidFill>
-                <a:latin typeface="Courier"/>
-              </a:rPr>
-              <a:t>f"Square root: </a:t>
-            </a:r>
-            <a:r>
-              <a:rPr>
-                <a:solidFill>
-                  <a:srgbClr val="5E5E5E"/>
-                </a:solidFill>
-                <a:latin typeface="Courier"/>
-              </a:rPr>
-              <a:t>{</a:t>
-            </a:r>
-            <a:r>
-              <a:rPr>
-                <a:solidFill>
-                  <a:srgbClr val="003B4F"/>
-                </a:solidFill>
-                <a:latin typeface="Courier"/>
-              </a:rPr>
-              <a:t>np</a:t>
-            </a:r>
-            <a:r>
-              <a:rPr>
-                <a:solidFill>
-                  <a:srgbClr val="5E5E5E"/>
-                </a:solidFill>
-                <a:latin typeface="Courier"/>
-              </a:rPr>
-              <a:t>.</a:t>
-            </a:r>
-            <a:r>
-              <a:rPr>
-                <a:solidFill>
-                  <a:srgbClr val="003B4F"/>
-                </a:solidFill>
-                <a:latin typeface="Courier"/>
-              </a:rPr>
-              <a:t>sqrt(arr1)</a:t>
-            </a:r>
-            <a:r>
-              <a:rPr>
-                <a:solidFill>
-                  <a:srgbClr val="5E5E5E"/>
-                </a:solidFill>
-                <a:latin typeface="Courier"/>
-              </a:rPr>
-              <a:t>}</a:t>
-            </a:r>
-            <a:r>
-              <a:rPr>
-                <a:solidFill>
-                  <a:srgbClr val="20794D"/>
-                </a:solidFill>
-                <a:latin typeface="Courier"/>
-              </a:rPr>
-              <a:t>"</a:t>
-            </a:r>
-            <a:r>
-              <a:rPr>
-                <a:solidFill>
-                  <a:srgbClr val="003B4F"/>
-                </a:solidFill>
-                <a:latin typeface="Courier"/>
-              </a:rPr>
-              <a:t>)</a:t>
-            </a:r>
-            <a:br/>
-            <a:r>
-              <a:rPr>
-                <a:solidFill>
-                  <a:srgbClr val="003B4F"/>
-                </a:solidFill>
-                <a:latin typeface="Courier"/>
-              </a:rPr>
-              <a:t>print(</a:t>
-            </a:r>
-            <a:r>
-              <a:rPr>
-                <a:solidFill>
-                  <a:srgbClr val="20794D"/>
-                </a:solidFill>
-                <a:latin typeface="Courier"/>
-              </a:rPr>
-              <a:t>f"Mean: </a:t>
-            </a:r>
-            <a:r>
-              <a:rPr>
-                <a:solidFill>
-                  <a:srgbClr val="5E5E5E"/>
-                </a:solidFill>
-                <a:latin typeface="Courier"/>
-              </a:rPr>
-              <a:t>{</a:t>
-            </a:r>
-            <a:r>
-              <a:rPr>
-                <a:solidFill>
-                  <a:srgbClr val="003B4F"/>
-                </a:solidFill>
-                <a:latin typeface="Courier"/>
-              </a:rPr>
-              <a:t>np</a:t>
-            </a:r>
-            <a:r>
-              <a:rPr>
-                <a:solidFill>
-                  <a:srgbClr val="5E5E5E"/>
-                </a:solidFill>
-                <a:latin typeface="Courier"/>
-              </a:rPr>
-              <a:t>.</a:t>
-            </a:r>
-            <a:r>
-              <a:rPr>
-                <a:solidFill>
-                  <a:srgbClr val="003B4F"/>
-                </a:solidFill>
-                <a:latin typeface="Courier"/>
-              </a:rPr>
-              <a:t>mean(arr1)</a:t>
-            </a:r>
-            <a:r>
-              <a:rPr>
-                <a:solidFill>
-                  <a:srgbClr val="5E5E5E"/>
-                </a:solidFill>
-                <a:latin typeface="Courier"/>
-              </a:rPr>
-              <a:t>}</a:t>
-            </a:r>
-            <a:r>
-              <a:rPr>
-                <a:solidFill>
-                  <a:srgbClr val="20794D"/>
-                </a:solidFill>
-                <a:latin typeface="Courier"/>
-              </a:rPr>
-              <a:t>"</a:t>
-            </a:r>
-            <a:r>
-              <a:rPr>
-                <a:solidFill>
-                  <a:srgbClr val="003B4F"/>
-                </a:solidFill>
-                <a:latin typeface="Courier"/>
-              </a:rPr>
-              <a:t>)</a:t>
-            </a:r>
-            <a:br/>
-            <a:r>
-              <a:rPr>
-                <a:solidFill>
-                  <a:srgbClr val="003B4F"/>
-                </a:solidFill>
-                <a:latin typeface="Courier"/>
-              </a:rPr>
-              <a:t>print(</a:t>
-            </a:r>
-            <a:r>
-              <a:rPr>
-                <a:solidFill>
-                  <a:srgbClr val="20794D"/>
-                </a:solidFill>
-                <a:latin typeface="Courier"/>
-              </a:rPr>
-              <a:t>f"Cosine: </a:t>
-            </a:r>
-            <a:r>
-              <a:rPr>
-                <a:solidFill>
-                  <a:srgbClr val="5E5E5E"/>
-                </a:solidFill>
-                <a:latin typeface="Courier"/>
-              </a:rPr>
-              <a:t>{</a:t>
-            </a:r>
-            <a:r>
-              <a:rPr>
-                <a:solidFill>
-                  <a:srgbClr val="003B4F"/>
-                </a:solidFill>
-                <a:latin typeface="Courier"/>
-              </a:rPr>
-              <a:t>np</a:t>
-            </a:r>
-            <a:r>
-              <a:rPr>
-                <a:solidFill>
-                  <a:srgbClr val="5E5E5E"/>
-                </a:solidFill>
-                <a:latin typeface="Courier"/>
-              </a:rPr>
-              <a:t>.</a:t>
-            </a:r>
-            <a:r>
-              <a:rPr>
-                <a:solidFill>
-                  <a:srgbClr val="003B4F"/>
-                </a:solidFill>
-                <a:latin typeface="Courier"/>
-              </a:rPr>
-              <a:t>cos(arr1)</a:t>
-            </a:r>
-            <a:r>
-              <a:rPr>
-                <a:solidFill>
-                  <a:srgbClr val="5E5E5E"/>
-                </a:solidFill>
-                <a:latin typeface="Courier"/>
-              </a:rPr>
-              <a:t>}</a:t>
-            </a:r>
-            <a:r>
-              <a:rPr>
-                <a:solidFill>
-                  <a:srgbClr val="20794D"/>
-                </a:solidFill>
-                <a:latin typeface="Courier"/>
-              </a:rPr>
-              <a:t>"</a:t>
-            </a:r>
-            <a:r>
-              <a:rPr>
-                <a:solidFill>
-                  <a:srgbClr val="003B4F"/>
-                </a:solidFill>
-                <a:latin typeface="Courier"/>
-              </a:rPr>
-              <a:t>)</a:t>
+              <a:t># Element-wise functions
+print(f"Square root: {np.sqrt(arr1)}")
+print(f"Mean: {np.mean(arr1)}")
+print(f"Cosine: {np.cos(arr1)}")</a:t>
+            </a:r>
+          </a:p>
+          <a:p>
+            <a:pPr lvl="0" indent="0" marL="0">
+              <a:buNone/>
+            </a:pPr>
+            <a:r>
+              <a:rPr/>
+              <a:t>. . .</a:t>
+            </a:r>
+          </a:p>
+          <a:p>
+            <a:pPr lvl="0" indent="0" marL="0">
+              <a:buNone/>
+            </a:pPr>
+            <a:r>
+              <a:rPr/>
+              <a:t>The operations do not modify the original array, but produce </a:t>
+            </a:r>
+            <a:r>
+              <a:rPr b="1"/>
+              <a:t>new copies</a:t>
             </a:r>
           </a:p>
           <a:p>
@@ -5487,275 +4191,9 @@
               <a:rPr>
                 <a:latin typeface="Courier"/>
               </a:rPr>
-              <a:t>Square root: [1.         1.41421356 1.73205081 2.        ]
-Mean: 2.5
-Cosine: [ 0.54030231 -0.41614684 -0.9899925  -0.65364362]</a:t>
-            </a:r>
-          </a:p>
-          <a:p>
-            <a:pPr lvl="0" indent="0" marL="0">
-              <a:buNone/>
-            </a:pPr>
-            <a:r>
-              <a:rPr/>
-              <a:t>. . .</a:t>
-            </a:r>
-          </a:p>
-          <a:p>
-            <a:pPr lvl="0" indent="0" marL="0">
-              <a:buNone/>
-            </a:pPr>
-            <a:r>
-              <a:rPr/>
-              <a:t>The operations do not modify the original array, but produce </a:t>
-            </a:r>
-            <a:r>
-              <a:rPr b="1"/>
-              <a:t>new copies</a:t>
-            </a:r>
-          </a:p>
-          <a:p>
-            <a:pPr lvl="0" indent="0">
-              <a:buNone/>
-            </a:pPr>
-            <a:r>
-              <a:rPr>
-                <a:solidFill>
-                  <a:srgbClr val="003B4F"/>
-                </a:solidFill>
-                <a:latin typeface="Courier"/>
-              </a:rPr>
-              <a:t>arr2 </a:t>
-            </a:r>
-            <a:r>
-              <a:rPr>
-                <a:solidFill>
-                  <a:srgbClr val="5E5E5E"/>
-                </a:solidFill>
-                <a:latin typeface="Courier"/>
-              </a:rPr>
-              <a:t>=</a:t>
-            </a:r>
-            <a:r>
-              <a:rPr>
-                <a:solidFill>
-                  <a:srgbClr val="003B4F"/>
-                </a:solidFill>
-                <a:latin typeface="Courier"/>
-              </a:rPr>
-              <a:t> arr1</a:t>
-            </a:r>
-            <a:r>
-              <a:rPr>
-                <a:solidFill>
-                  <a:srgbClr val="5E5E5E"/>
-                </a:solidFill>
-                <a:latin typeface="Courier"/>
-              </a:rPr>
-              <a:t>*</a:t>
-            </a:r>
-            <a:r>
-              <a:rPr>
-                <a:solidFill>
-                  <a:srgbClr val="AD0000"/>
-                </a:solidFill>
-                <a:latin typeface="Courier"/>
-              </a:rPr>
-              <a:t>3</a:t>
-            </a:r>
-            <a:r>
-              <a:rPr>
-                <a:solidFill>
-                  <a:srgbClr val="5E5E5E"/>
-                </a:solidFill>
-                <a:latin typeface="Courier"/>
-              </a:rPr>
-              <a:t>/</a:t>
-            </a:r>
-            <a:r>
-              <a:rPr>
-                <a:solidFill>
-                  <a:srgbClr val="AD0000"/>
-                </a:solidFill>
-                <a:latin typeface="Courier"/>
-              </a:rPr>
-              <a:t>2</a:t>
-            </a:r>
-            <a:r>
-              <a:rPr>
-                <a:solidFill>
-                  <a:srgbClr val="003B4F"/>
-                </a:solidFill>
-                <a:latin typeface="Courier"/>
-              </a:rPr>
-              <a:t> </a:t>
-            </a:r>
-            <a:r>
-              <a:rPr>
-                <a:solidFill>
-                  <a:srgbClr val="5E5E5E"/>
-                </a:solidFill>
-                <a:latin typeface="Courier"/>
-              </a:rPr>
-              <a:t>+</a:t>
-            </a:r>
-            <a:r>
-              <a:rPr>
-                <a:solidFill>
-                  <a:srgbClr val="003B4F"/>
-                </a:solidFill>
-                <a:latin typeface="Courier"/>
-              </a:rPr>
-              <a:t> </a:t>
-            </a:r>
-            <a:r>
-              <a:rPr>
-                <a:solidFill>
-                  <a:srgbClr val="AD0000"/>
-                </a:solidFill>
-                <a:latin typeface="Courier"/>
-              </a:rPr>
-              <a:t>5</a:t>
-            </a:r>
-            <a:br/>
-            <a:r>
-              <a:rPr>
-                <a:solidFill>
-                  <a:srgbClr val="003B4F"/>
-                </a:solidFill>
-                <a:latin typeface="Courier"/>
-              </a:rPr>
-              <a:t>print(</a:t>
-            </a:r>
-            <a:r>
-              <a:rPr>
-                <a:solidFill>
-                  <a:srgbClr val="20794D"/>
-                </a:solidFill>
-                <a:latin typeface="Courier"/>
-              </a:rPr>
-              <a:t>f"Original: </a:t>
-            </a:r>
-            <a:r>
-              <a:rPr>
-                <a:solidFill>
-                  <a:srgbClr val="5E5E5E"/>
-                </a:solidFill>
-                <a:latin typeface="Courier"/>
-              </a:rPr>
-              <a:t>{</a:t>
-            </a:r>
-            <a:r>
-              <a:rPr>
-                <a:solidFill>
-                  <a:srgbClr val="003B4F"/>
-                </a:solidFill>
-                <a:latin typeface="Courier"/>
-              </a:rPr>
-              <a:t>arr1</a:t>
-            </a:r>
-            <a:r>
-              <a:rPr>
-                <a:solidFill>
-                  <a:srgbClr val="5E5E5E"/>
-                </a:solidFill>
-                <a:latin typeface="Courier"/>
-              </a:rPr>
-              <a:t>}</a:t>
-            </a:r>
-            <a:r>
-              <a:rPr>
-                <a:solidFill>
-                  <a:srgbClr val="20794D"/>
-                </a:solidFill>
-                <a:latin typeface="Courier"/>
-              </a:rPr>
-              <a:t>"</a:t>
-            </a:r>
-            <a:r>
-              <a:rPr>
-                <a:solidFill>
-                  <a:srgbClr val="003B4F"/>
-                </a:solidFill>
-                <a:latin typeface="Courier"/>
-              </a:rPr>
-              <a:t>)</a:t>
-            </a:r>
-            <a:br/>
-            <a:r>
-              <a:rPr>
-                <a:solidFill>
-                  <a:srgbClr val="003B4F"/>
-                </a:solidFill>
-                <a:latin typeface="Courier"/>
-              </a:rPr>
-              <a:t>print(</a:t>
-            </a:r>
-            <a:r>
-              <a:rPr>
-                <a:solidFill>
-                  <a:srgbClr val="20794D"/>
-                </a:solidFill>
-                <a:latin typeface="Courier"/>
-              </a:rPr>
-              <a:t>f"Modified: </a:t>
-            </a:r>
-            <a:r>
-              <a:rPr>
-                <a:solidFill>
-                  <a:srgbClr val="5E5E5E"/>
-                </a:solidFill>
-                <a:latin typeface="Courier"/>
-              </a:rPr>
-              <a:t>{</a:t>
-            </a:r>
-            <a:r>
-              <a:rPr>
-                <a:solidFill>
-                  <a:srgbClr val="003B4F"/>
-                </a:solidFill>
-                <a:latin typeface="Courier"/>
-              </a:rPr>
-              <a:t>arr2</a:t>
-            </a:r>
-            <a:r>
-              <a:rPr>
-                <a:solidFill>
-                  <a:srgbClr val="5E5E5E"/>
-                </a:solidFill>
-                <a:latin typeface="Courier"/>
-              </a:rPr>
-              <a:t>}</a:t>
-            </a:r>
-            <a:r>
-              <a:rPr>
-                <a:solidFill>
-                  <a:srgbClr val="20794D"/>
-                </a:solidFill>
-                <a:latin typeface="Courier"/>
-              </a:rPr>
-              <a:t>"</a:t>
-            </a:r>
-            <a:r>
-              <a:rPr>
-                <a:solidFill>
-                  <a:srgbClr val="003B4F"/>
-                </a:solidFill>
-                <a:latin typeface="Courier"/>
-              </a:rPr>
-              <a:t>)</a:t>
-            </a:r>
-          </a:p>
-          <a:p>
-            <a:pPr lvl="0" indent="0">
-              <a:buNone/>
-            </a:pPr>
-            <a:r>
-              <a:rPr>
-                <a:latin typeface="Courier"/>
-              </a:rPr>
-              <a:t>Original: [1 2 3 4]
-Modified: [ 6.5  8.   9.5 11. ]</a:t>
+              <a:t>arr2 = arr1*3/2 + 5
+print(f"Original: {arr1}")
+print(f"Modified: {arr2}")</a:t>
             </a:r>
           </a:p>
         </p:txBody>
@@ -5876,174 +4314,9 @@
                 </a:pPr>
                 <a:r>
                   <a:rPr>
-                    <a:solidFill>
-                      <a:srgbClr val="003B4F"/>
-                    </a:solidFill>
                     <a:latin typeface="Courier"/>
                   </a:rPr>
-                  <a:t>x </a:t>
-                </a:r>
-                <a:r>
-                  <a:rPr>
-                    <a:solidFill>
-                      <a:srgbClr val="5E5E5E"/>
-                    </a:solidFill>
-                    <a:latin typeface="Courier"/>
-                  </a:rPr>
-                  <a:t>=</a:t>
-                </a:r>
-                <a:r>
-                  <a:rPr>
-                    <a:solidFill>
-                      <a:srgbClr val="003B4F"/>
-                    </a:solidFill>
-                    <a:latin typeface="Courier"/>
-                  </a:rPr>
-                  <a:t> np.array([</a:t>
-                </a:r>
-                <a:r>
-                  <a:rPr>
-                    <a:solidFill>
-                      <a:srgbClr val="AD0000"/>
-                    </a:solidFill>
-                    <a:latin typeface="Courier"/>
-                  </a:rPr>
-                  <a:t>1</a:t>
-                </a:r>
-                <a:r>
-                  <a:rPr>
-                    <a:solidFill>
-                      <a:srgbClr val="003B4F"/>
-                    </a:solidFill>
-                    <a:latin typeface="Courier"/>
-                  </a:rPr>
-                  <a:t>,</a:t>
-                </a:r>
-                <a:r>
-                  <a:rPr>
-                    <a:solidFill>
-                      <a:srgbClr val="AD0000"/>
-                    </a:solidFill>
-                    <a:latin typeface="Courier"/>
-                  </a:rPr>
-                  <a:t>2</a:t>
-                </a:r>
-                <a:r>
-                  <a:rPr>
-                    <a:solidFill>
-                      <a:srgbClr val="003B4F"/>
-                    </a:solidFill>
-                    <a:latin typeface="Courier"/>
-                  </a:rPr>
-                  <a:t>,</a:t>
-                </a:r>
-                <a:r>
-                  <a:rPr>
-                    <a:solidFill>
-                      <a:srgbClr val="AD0000"/>
-                    </a:solidFill>
-                    <a:latin typeface="Courier"/>
-                  </a:rPr>
-                  <a:t>3</a:t>
-                </a:r>
-                <a:r>
-                  <a:rPr>
-                    <a:solidFill>
-                      <a:srgbClr val="003B4F"/>
-                    </a:solidFill>
-                    <a:latin typeface="Courier"/>
-                  </a:rPr>
-                  <a:t>,</a:t>
-                </a:r>
-                <a:r>
-                  <a:rPr>
-                    <a:solidFill>
-                      <a:srgbClr val="AD0000"/>
-                    </a:solidFill>
-                    <a:latin typeface="Courier"/>
-                  </a:rPr>
-                  <a:t>4</a:t>
-                </a:r>
-                <a:r>
-                  <a:rPr>
-                    <a:solidFill>
-                      <a:srgbClr val="003B4F"/>
-                    </a:solidFill>
-                    <a:latin typeface="Courier"/>
-                  </a:rPr>
-                  <a:t>,</a:t>
-                </a:r>
-                <a:r>
-                  <a:rPr>
-                    <a:solidFill>
-                      <a:srgbClr val="AD0000"/>
-                    </a:solidFill>
-                    <a:latin typeface="Courier"/>
-                  </a:rPr>
-                  <a:t>5</a:t>
-                </a:r>
-                <a:r>
-                  <a:rPr>
-                    <a:solidFill>
-                      <a:srgbClr val="003B4F"/>
-                    </a:solidFill>
-                    <a:latin typeface="Courier"/>
-                  </a:rPr>
-                  <a:t>,</a:t>
-                </a:r>
-                <a:r>
-                  <a:rPr>
-                    <a:solidFill>
-                      <a:srgbClr val="AD0000"/>
-                    </a:solidFill>
-                    <a:latin typeface="Courier"/>
-                  </a:rPr>
-                  <a:t>6</a:t>
-                </a:r>
-                <a:r>
-                  <a:rPr>
-                    <a:solidFill>
-                      <a:srgbClr val="003B4F"/>
-                    </a:solidFill>
-                    <a:latin typeface="Courier"/>
-                  </a:rPr>
-                  <a:t>,</a:t>
-                </a:r>
-                <a:r>
-                  <a:rPr>
-                    <a:solidFill>
-                      <a:srgbClr val="AD0000"/>
-                    </a:solidFill>
-                    <a:latin typeface="Courier"/>
-                  </a:rPr>
-                  <a:t>7</a:t>
-                </a:r>
-                <a:r>
-                  <a:rPr>
-                    <a:solidFill>
-                      <a:srgbClr val="003B4F"/>
-                    </a:solidFill>
-                    <a:latin typeface="Courier"/>
-                  </a:rPr>
-                  <a:t>,</a:t>
-                </a:r>
-                <a:r>
-                  <a:rPr>
-                    <a:solidFill>
-                      <a:srgbClr val="AD0000"/>
-                    </a:solidFill>
-                    <a:latin typeface="Courier"/>
-                  </a:rPr>
-                  <a:t>8</a:t>
-                </a:r>
-                <a:r>
-                  <a:rPr>
-                    <a:solidFill>
-                      <a:srgbClr val="003B4F"/>
-                    </a:solidFill>
-                    <a:latin typeface="Courier"/>
-                  </a:rPr>
-                  <a:t>])</a:t>
+                  <a:t>x = np.array([1,2,3,4,5,6,7,8])</a:t>
                 </a:r>
               </a:p>
               <a:p>
@@ -6134,51 +4407,10 @@
                 </a:pPr>
                 <a:r>
                   <a:rPr>
-                    <a:solidFill>
-                      <a:srgbClr val="003B4F"/>
-                    </a:solidFill>
                     <a:latin typeface="Courier"/>
                   </a:rPr>
-                  <a:t>S </a:t>
-                </a:r>
-                <a:r>
-                  <a:rPr>
-                    <a:solidFill>
-                      <a:srgbClr val="5E5E5E"/>
-                    </a:solidFill>
-                    <a:latin typeface="Courier"/>
-                  </a:rPr>
-                  <a:t>=</a:t>
-                </a:r>
-                <a:r>
-                  <a:rPr>
-                    <a:solidFill>
-                      <a:srgbClr val="003B4F"/>
-                    </a:solidFill>
-                    <a:latin typeface="Courier"/>
-                  </a:rPr>
-                  <a:t> np.sum(x)</a:t>
-                </a:r>
-                <a:br/>
-                <a:r>
-                  <a:rPr>
-                    <a:solidFill>
-                      <a:srgbClr val="003B4F"/>
-                    </a:solidFill>
-                    <a:latin typeface="Courier"/>
-                  </a:rPr>
-                  <a:t>print(S)</a:t>
-                </a:r>
-              </a:p>
-              <a:p>
-                <a:pPr lvl="0" indent="0">
-                  <a:buNone/>
-                </a:pPr>
-                <a:r>
-                  <a:rPr>
-                    <a:latin typeface="Courier"/>
-                  </a:rPr>
-                  <a:t>36</a:t>
+                  <a:t>S = np.sum(x)
+print(S)</a:t>
                 </a:r>
               </a:p>
             </p:txBody>
@@ -6366,51 +4598,10 @@
                 </a:pPr>
                 <a:r>
                   <a:rPr>
-                    <a:solidFill>
-                      <a:srgbClr val="003B4F"/>
-                    </a:solidFill>
                     <a:latin typeface="Courier"/>
                   </a:rPr>
-                  <a:t> y </a:t>
-                </a:r>
-                <a:r>
-                  <a:rPr>
-                    <a:solidFill>
-                      <a:srgbClr val="5E5E5E"/>
-                    </a:solidFill>
-                    <a:latin typeface="Courier"/>
-                  </a:rPr>
-                  <a:t>=</a:t>
-                </a:r>
-                <a:r>
-                  <a:rPr>
-                    <a:solidFill>
-                      <a:srgbClr val="003B4F"/>
-                    </a:solidFill>
-                    <a:latin typeface="Courier"/>
-                  </a:rPr>
-                  <a:t> np.cumsum(x)</a:t>
-                </a:r>
-                <a:br/>
-                <a:r>
-                  <a:rPr>
-                    <a:solidFill>
-                      <a:srgbClr val="003B4F"/>
-                    </a:solidFill>
-                    <a:latin typeface="Courier"/>
-                  </a:rPr>
-                  <a:t> print(y)</a:t>
-                </a:r>
-              </a:p>
-              <a:p>
-                <a:pPr lvl="0" indent="0">
-                  <a:buNone/>
-                </a:pPr>
-                <a:r>
-                  <a:rPr>
-                    <a:latin typeface="Courier"/>
-                  </a:rPr>
-                  <a:t>[ 1  3  6 10 15 21 28 36]</a:t>
+                  <a:t> y = np.cumsum(x)
+ print(y)</a:t>
                 </a:r>
               </a:p>
             </p:txBody>
@@ -6688,305 +4879,12 @@
                 </a:pPr>
                 <a:r>
                   <a:rPr>
-                    <a:solidFill>
-                      <a:srgbClr val="003B4F"/>
-                    </a:solidFill>
                     <a:latin typeface="Courier"/>
                   </a:rPr>
-                  <a:t>a </a:t>
-                </a:r>
-                <a:r>
-                  <a:rPr>
-                    <a:solidFill>
-                      <a:srgbClr val="5E5E5E"/>
-                    </a:solidFill>
-                    <a:latin typeface="Courier"/>
-                  </a:rPr>
-                  <a:t>=</a:t>
-                </a:r>
-                <a:r>
-                  <a:rPr>
-                    <a:solidFill>
-                      <a:srgbClr val="003B4F"/>
-                    </a:solidFill>
-                    <a:latin typeface="Courier"/>
-                  </a:rPr>
-                  <a:t> np.array([</a:t>
-                </a:r>
-                <a:r>
-                  <a:rPr>
-                    <a:solidFill>
-                      <a:srgbClr val="AD0000"/>
-                    </a:solidFill>
-                    <a:latin typeface="Courier"/>
-                  </a:rPr>
-                  <a:t>2</a:t>
-                </a:r>
-                <a:r>
-                  <a:rPr>
-                    <a:solidFill>
-                      <a:srgbClr val="003B4F"/>
-                    </a:solidFill>
-                    <a:latin typeface="Courier"/>
-                  </a:rPr>
-                  <a:t>, </a:t>
-                </a:r>
-                <a:r>
-                  <a:rPr>
-                    <a:solidFill>
-                      <a:srgbClr val="AD0000"/>
-                    </a:solidFill>
-                    <a:latin typeface="Courier"/>
-                  </a:rPr>
-                  <a:t>1</a:t>
-                </a:r>
-                <a:r>
-                  <a:rPr>
-                    <a:solidFill>
-                      <a:srgbClr val="003B4F"/>
-                    </a:solidFill>
-                    <a:latin typeface="Courier"/>
-                  </a:rPr>
-                  <a:t>, </a:t>
-                </a:r>
-                <a:r>
-                  <a:rPr>
-                    <a:solidFill>
-                      <a:srgbClr val="AD0000"/>
-                    </a:solidFill>
-                    <a:latin typeface="Courier"/>
-                  </a:rPr>
-                  <a:t>4</a:t>
-                </a:r>
-                <a:r>
-                  <a:rPr>
-                    <a:solidFill>
-                      <a:srgbClr val="003B4F"/>
-                    </a:solidFill>
-                    <a:latin typeface="Courier"/>
-                  </a:rPr>
-                  <a:t>])      </a:t>
-                </a:r>
-                <a:r>
-                  <a:rPr>
-                    <a:solidFill>
-                      <a:srgbClr val="5E5E5E"/>
-                    </a:solidFill>
-                    <a:latin typeface="Courier"/>
-                  </a:rPr>
-                  <a:t># Number of atoms for each element</a:t>
-                </a:r>
-                <a:br/>
-                <a:r>
-                  <a:rPr>
-                    <a:solidFill>
-                      <a:srgbClr val="003B4F"/>
-                    </a:solidFill>
-                    <a:latin typeface="Courier"/>
-                  </a:rPr>
-                  <a:t>m </a:t>
-                </a:r>
-                <a:r>
-                  <a:rPr>
-                    <a:solidFill>
-                      <a:srgbClr val="5E5E5E"/>
-                    </a:solidFill>
-                    <a:latin typeface="Courier"/>
-                  </a:rPr>
-                  <a:t>=</a:t>
-                </a:r>
-                <a:r>
-                  <a:rPr>
-                    <a:solidFill>
-                      <a:srgbClr val="003B4F"/>
-                    </a:solidFill>
-                    <a:latin typeface="Courier"/>
-                  </a:rPr>
-                  <a:t> np.array([</a:t>
-                </a:r>
-                <a:r>
-                  <a:rPr>
-                    <a:solidFill>
-                      <a:srgbClr val="AD0000"/>
-                    </a:solidFill>
-                    <a:latin typeface="Courier"/>
-                  </a:rPr>
-                  <a:t>12.01</a:t>
-                </a:r>
-                <a:r>
-                  <a:rPr>
-                    <a:solidFill>
-                      <a:srgbClr val="003B4F"/>
-                    </a:solidFill>
-                    <a:latin typeface="Courier"/>
-                  </a:rPr>
-                  <a:t>, </a:t>
-                </a:r>
-                <a:r>
-                  <a:rPr>
-                    <a:solidFill>
-                      <a:srgbClr val="AD0000"/>
-                    </a:solidFill>
-                    <a:latin typeface="Courier"/>
-                  </a:rPr>
-                  <a:t>1.01</a:t>
-                </a:r>
-                <a:r>
-                  <a:rPr>
-                    <a:solidFill>
-                      <a:srgbClr val="003B4F"/>
-                    </a:solidFill>
-                    <a:latin typeface="Courier"/>
-                  </a:rPr>
-                  <a:t>, </a:t>
-                </a:r>
-                <a:r>
-                  <a:rPr>
-                    <a:solidFill>
-                      <a:srgbClr val="AD0000"/>
-                    </a:solidFill>
-                    <a:latin typeface="Courier"/>
-                  </a:rPr>
-                  <a:t>16.00</a:t>
-                </a:r>
-                <a:r>
-                  <a:rPr>
-                    <a:solidFill>
-                      <a:srgbClr val="003B4F"/>
-                    </a:solidFill>
-                    <a:latin typeface="Courier"/>
-                  </a:rPr>
-                  <a:t>])  </a:t>
-                </a:r>
-                <a:r>
-                  <a:rPr>
-                    <a:solidFill>
-                      <a:srgbClr val="5E5E5E"/>
-                    </a:solidFill>
-                    <a:latin typeface="Courier"/>
-                  </a:rPr>
-                  <a:t># Atomic masses (e.g., C, H, O)</a:t>
-                </a:r>
-                <a:br/>
-                <a:r>
-                  <a:rPr>
-                    <a:solidFill>
-                      <a:srgbClr val="003B4F"/>
-                    </a:solidFill>
-                    <a:latin typeface="Courier"/>
-                  </a:rPr>
-                  <a:t>M </a:t>
-                </a:r>
-                <a:r>
-                  <a:rPr>
-                    <a:solidFill>
-                      <a:srgbClr val="5E5E5E"/>
-                    </a:solidFill>
-                    <a:latin typeface="Courier"/>
-                  </a:rPr>
-                  <a:t>=</a:t>
-                </a:r>
-                <a:r>
-                  <a:rPr>
-                    <a:solidFill>
-                      <a:srgbClr val="003B4F"/>
-                    </a:solidFill>
-                    <a:latin typeface="Courier"/>
-                  </a:rPr>
-                  <a:t> np.sum(a </a:t>
-                </a:r>
-                <a:r>
-                  <a:rPr>
-                    <a:solidFill>
-                      <a:srgbClr val="5E5E5E"/>
-                    </a:solidFill>
-                    <a:latin typeface="Courier"/>
-                  </a:rPr>
-                  <a:t>*</a:t>
-                </a:r>
-                <a:r>
-                  <a:rPr>
-                    <a:solidFill>
-                      <a:srgbClr val="003B4F"/>
-                    </a:solidFill>
-                    <a:latin typeface="Courier"/>
-                  </a:rPr>
-                  <a:t> m)</a:t>
-                </a:r>
-                <a:br/>
-                <a:r>
-                  <a:rPr>
-                    <a:solidFill>
-                      <a:srgbClr val="003B4F"/>
-                    </a:solidFill>
-                    <a:latin typeface="Courier"/>
-                  </a:rPr>
-                  <a:t>print(</a:t>
-                </a:r>
-                <a:r>
-                  <a:rPr>
-                    <a:solidFill>
-                      <a:srgbClr val="20794D"/>
-                    </a:solidFill>
-                    <a:latin typeface="Courier"/>
-                  </a:rPr>
-                  <a:t>f"Molecular mass: </a:t>
-                </a:r>
-                <a:r>
-                  <a:rPr>
-                    <a:solidFill>
-                      <a:srgbClr val="5E5E5E"/>
-                    </a:solidFill>
-                    <a:latin typeface="Courier"/>
-                  </a:rPr>
-                  <a:t>{</a:t>
-                </a:r>
-                <a:r>
-                  <a:rPr>
-                    <a:solidFill>
-                      <a:srgbClr val="003B4F"/>
-                    </a:solidFill>
-                    <a:latin typeface="Courier"/>
-                  </a:rPr>
-                  <a:t>M</a:t>
-                </a:r>
-                <a:r>
-                  <a:rPr>
-                    <a:solidFill>
-                      <a:srgbClr val="5E5E5E"/>
-                    </a:solidFill>
-                    <a:latin typeface="Courier"/>
-                  </a:rPr>
-                  <a:t>}</a:t>
-                </a:r>
-                <a:r>
-                  <a:rPr>
-                    <a:solidFill>
-                      <a:srgbClr val="20794D"/>
-                    </a:solidFill>
-                    <a:latin typeface="Courier"/>
-                  </a:rPr>
-                  <a:t>"</a:t>
-                </a:r>
-                <a:r>
-                  <a:rPr>
-                    <a:solidFill>
-                      <a:srgbClr val="003B4F"/>
-                    </a:solidFill>
-                    <a:latin typeface="Courier"/>
-                  </a:rPr>
-                  <a:t>)</a:t>
-                </a:r>
-              </a:p>
-              <a:p>
-                <a:pPr lvl="0" indent="0">
-                  <a:buNone/>
-                </a:pPr>
-                <a:r>
-                  <a:rPr>
-                    <a:latin typeface="Courier"/>
-                  </a:rPr>
-                  <a:t>Molecular mass: 89.03</a:t>
+                  <a:t>a = np.array([2, 1, 4])      # Number of atoms for each element
+m = np.array([12.01, 1.01, 16.00])  # Atomic masses (e.g., C, H, O)
+M = np.sum(a * m)
+print(f"Molecular mass: {M}")</a:t>
                 </a:r>
               </a:p>
             </p:txBody>
@@ -6998,16 +4896,163 @@
 </p:sld>
 </file>
 
-<file path=ppt/slides/slide18.xml><?xml version="1.0" encoding="UTF-8"?><p:sld xmlns:a="http://schemas.openxmlformats.org/drawingml/2006/main" xmlns:r="http://schemas.openxmlformats.org/officeDocument/2006/relationships" xmlns:p="http://schemas.openxmlformats.org/presentationml/2006/main"><p:cSld><p:spTree><p:nvGrpSpPr><p:cNvPr id="1" name="" /><p:cNvGrpSpPr /><p:nvPr /></p:nvGrpSpPr><p:grpSpPr><a:xfrm><a:off x="0" y="0" /><a:ext cx="0" cy="0" /><a:chOff x="0" y="0" /><a:chExt cx="0" cy="0" /></a:xfrm></p:grpSpPr><p:sp><p:nvSpPr><p:cNvPr id="2" name="Title 1"><a:extLst><a:ext uri="{FF2B5EF4-FFF2-40B4-BE49-F238E27FC236}"><a16:creationId id="{3CA46E1F-6B8D-B82A-202E-7F2A50815503}" xmlns:a16="http://schemas.microsoft.com/office/drawing/2014/main" /></a:ext></a:extLst></p:cNvPr><p:cNvSpPr><a:spLocks noGrp="1" /></p:cNvSpPr><p:nvPr><p:ph type="title" /></p:nvPr></p:nvSpPr><p:spPr /><p:txBody><a:bodyPr /><a:lstStyle /><a:p><a:pPr lvl="0" indent="0" marL="0"><a:buNone /></a:pPr><a:r><a:rPr /><a:t>Operations between arrays</a:t></a:r></a:p></p:txBody></p:sp><p:sp><p:nvSpPr><p:cNvPr id="3" name="Content Placeholder 2"><a:extLst><a:ext uri="{FF2B5EF4-FFF2-40B4-BE49-F238E27FC236}"><a16:creationId id="{D6D449D4-319E-2279-3396-A353F513B9D7}" xmlns:a16="http://schemas.microsoft.com/office/drawing/2014/main" /></a:ext></a:extLst></p:cNvPr><p:cNvSpPr><a:spLocks noGrp="1" /></p:cNvSpPr><p:nvPr><p:ph idx="1" /></p:nvPr></p:nvSpPr><p:spPr /><p:txBody><a:bodyPr /><a:lstStyle /><a:p><a:pPr lvl="0" indent="0" marL="0"><a:buNone /></a:pPr><a:r><a:rPr /><a:t>You can perform arithmetic operations directly between arrays of the same shape. Operations like addition, subtraction, multiplication, and division are applied </a:t></a:r><a:r><a:rPr b="1" /><a:t>element-wise</a:t></a:r><a:r><a:rPr /><a:t>.</a:t></a:r></a:p><a:p><a:pPr lvl="0" indent="0" marL="0"><a:buNone /></a:pPr><a:r><a:rPr /><a:t>For example:</a:t></a:r></a:p><a:p><a:pPr lvl="0" indent="0" marL="0"><a:buNone /></a:pPr><a:r><a:rPr b="1" /><a:t>Element-wise operations:</a:t></a:r></a:p><a:p><a:pPr lvl="0" indent="0"><a:buNone /></a:pPr><a:r><a:rPr><a:solidFill><a:srgbClr val="003B4F" /></a:solidFill><a:latin typeface="Courier" /></a:rPr><a:t>added </a:t></a:r><a:r><a:rPr><a:solidFill><a:srgbClr val="5E5E5E" /></a:solidFill><a:latin typeface="Courier" /></a:rPr><a:t>=</a:t></a:r><a:r><a:rPr><a:solidFill><a:srgbClr val="003B4F" /></a:solidFill><a:latin typeface="Courier" /></a:rPr><a:t> arr1 </a:t></a:r><a:r><a:rPr><a:solidFill><a:srgbClr val="5E5E5E" /></a:solidFill><a:latin typeface="Courier" /></a:rPr><a:t>+</a:t></a:r><a:r><a:rPr><a:solidFill><a:srgbClr val="003B4F" /></a:solidFill><a:latin typeface="Courier" /></a:rPr><a:t> arr2</a:t></a:r><a:br /><a:r><a:rPr><a:solidFill><a:srgbClr val="003B4F" /></a:solidFill><a:latin typeface="Courier" /></a:rPr><a:t>multiplied </a:t></a:r><a:r><a:rPr><a:solidFill><a:srgbClr val="5E5E5E" /></a:solidFill><a:latin typeface="Courier" /></a:rPr><a:t>=</a:t></a:r><a:r><a:rPr><a:solidFill><a:srgbClr val="003B4F" /></a:solidFill><a:latin typeface="Courier" /></a:rPr><a:t> arr1 </a:t></a:r><a:r><a:rPr><a:solidFill><a:srgbClr val="5E5E5E" /></a:solidFill><a:latin typeface="Courier" /></a:rPr><a:t>*</a:t></a:r><a:r><a:rPr><a:solidFill><a:srgbClr val="003B4F" /></a:solidFill><a:latin typeface="Courier" /></a:rPr><a:t> arr2</a:t></a:r><a:br /><a:r><a:rPr><a:solidFill><a:srgbClr val="003B4F" /></a:solidFill><a:latin typeface="Courier" /></a:rPr><a:t>print(</a:t></a:r><a:r><a:rPr><a:solidFill><a:srgbClr val="20794D" /></a:solidFill><a:latin typeface="Courier" /></a:rPr><a:t>f&quot;Added: </a:t></a:r><a:r><a:rPr><a:solidFill><a:srgbClr val="5E5E5E" /></a:solidFill><a:latin typeface="Courier" /></a:rPr><a:t>{</a:t></a:r><a:r><a:rPr><a:solidFill><a:srgbClr val="003B4F" /></a:solidFill><a:latin typeface="Courier" /></a:rPr><a:t>added</a:t></a:r><a:r><a:rPr><a:solidFill><a:srgbClr val="5E5E5E" /></a:solidFill><a:latin typeface="Courier" /></a:rPr><a:t>}</a:t></a:r><a:r><a:rPr><a:solidFill><a:srgbClr val="20794D" /></a:solidFill><a:latin typeface="Courier" /></a:rPr><a:t>&quot;</a:t></a:r><a:r><a:rPr><a:solidFill><a:srgbClr val="003B4F" /></a:solidFill><a:latin typeface="Courier" /></a:rPr><a:t>)</a:t></a:r><a:br /><a:r><a:rPr><a:solidFill><a:srgbClr val="003B4F" /></a:solidFill><a:latin typeface="Courier" /></a:rPr><a:t>print(</a:t></a:r><a:r><a:rPr><a:solidFill><a:srgbClr val="20794D" /></a:solidFill><a:latin typeface="Courier" /></a:rPr><a:t>f&quot;Multiplied: </a:t></a:r><a:r><a:rPr><a:solidFill><a:srgbClr val="5E5E5E" /></a:solidFill><a:latin typeface="Courier" /></a:rPr><a:t>{</a:t></a:r><a:r><a:rPr><a:solidFill><a:srgbClr val="003B4F" /></a:solidFill><a:latin typeface="Courier" /></a:rPr><a:t>multiplied</a:t></a:r><a:r><a:rPr><a:solidFill><a:srgbClr val="5E5E5E" /></a:solidFill><a:latin typeface="Courier" /></a:rPr><a:t>}</a:t></a:r><a:r><a:rPr><a:solidFill><a:srgbClr val="20794D" /></a:solidFill><a:latin typeface="Courier" /></a:rPr><a:t>&quot;</a:t></a:r><a:r><a:rPr><a:solidFill><a:srgbClr val="003B4F" /></a:solidFill><a:latin typeface="Courier" /></a:rPr><a:t>)</a:t></a:r></a:p><a:p><a:pPr lvl="0" indent="0"><a:buNone /></a:pPr><a:r><a:rPr><a:latin typeface="Courier" /></a:rPr><a:t>Added: [ 7.5 10.  12.5 15. ]
-Multiplied: [ 6.5 16.  28.5 44. ]</a:t></a:r></a:p><a:p><a:pPr lvl="0" indent="0" marL="0"><a:buNone /></a:pPr><a:r><a:rPr /><a:t>. . .</a:t></a:r></a:p><a:p><a:pPr lvl="0" indent="0" marL="0"><a:buNone /></a:pPr><a:r><a:rPr b="1" /><a:t>Note:</a:t></a:r><a:r><a:rPr /><a:t> Arrays must have compatible shapes!</a:t></a:r></a:p><a:p><a:pPr lvl="0" indent="0"><a:buNone /></a:pPr><a:r><a:rPr><a:solidFill><a:srgbClr val="003B4F" /></a:solidFill><a:latin typeface="Courier" /></a:rPr><a:t>arr3 </a:t></a:r><a:r><a:rPr><a:solidFill><a:srgbClr val="5E5E5E" /></a:solidFill><a:latin typeface="Courier" /></a:rPr><a:t>=</a:t></a:r><a:r><a:rPr><a:solidFill><a:srgbClr val="003B4F" /></a:solidFill><a:latin typeface="Courier" /></a:rPr><a:t> np.array([</a:t></a:r><a:r><a:rPr><a:solidFill><a:srgbClr val="AD0000" /></a:solidFill><a:latin typeface="Courier" /></a:rPr><a:t>1</a:t></a:r><a:r><a:rPr><a:solidFill><a:srgbClr val="003B4F" /></a:solidFill><a:latin typeface="Courier" /></a:rPr><a:t>, </a:t></a:r><a:r><a:rPr><a:solidFill><a:srgbClr val="AD0000" /></a:solidFill><a:latin typeface="Courier" /></a:rPr><a:t>2</a:t></a:r><a:r><a:rPr><a:solidFill><a:srgbClr val="003B4F" /></a:solidFill><a:latin typeface="Courier" /></a:rPr><a:t>, </a:t></a:r><a:r><a:rPr><a:solidFill><a:srgbClr val="AD0000" /></a:solidFill><a:latin typeface="Courier" /></a:rPr><a:t>3</a:t></a:r><a:r><a:rPr><a:solidFill><a:srgbClr val="003B4F" /></a:solidFill><a:latin typeface="Courier" /></a:rPr><a:t>])</a:t></a:r><a:br /><a:r><a:rPr><a:solidFill><a:srgbClr val="003B4F" /></a:solidFill><a:latin typeface="Courier" /></a:rPr><a:t>arr4 </a:t></a:r><a:r><a:rPr><a:solidFill><a:srgbClr val="5E5E5E" /></a:solidFill><a:latin typeface="Courier" /></a:rPr><a:t>=</a:t></a:r><a:r><a:rPr><a:solidFill><a:srgbClr val="003B4F" /></a:solidFill><a:latin typeface="Courier" /></a:rPr><a:t> np.array([</a:t></a:r><a:r><a:rPr><a:solidFill><a:srgbClr val="AD0000" /></a:solidFill><a:latin typeface="Courier" /></a:rPr><a:t>4</a:t></a:r><a:r><a:rPr><a:solidFill><a:srgbClr val="003B4F" /></a:solidFill><a:latin typeface="Courier" /></a:rPr><a:t>, </a:t></a:r><a:r><a:rPr><a:solidFill><a:srgbClr val="AD0000" /></a:solidFill><a:latin typeface="Courier" /></a:rPr><a:t>5</a:t></a:r><a:r><a:rPr><a:solidFill><a:srgbClr val="003B4F" /></a:solidFill><a:latin typeface="Courier" /></a:rPr><a:t>])</a:t></a:r><a:br /><a:r><a:rPr><a:solidFill><a:srgbClr val="003B4F" /></a:solidFill><a:latin typeface="Courier" /></a:rPr><a:t>result </a:t></a:r><a:r><a:rPr><a:solidFill><a:srgbClr val="5E5E5E" /></a:solidFill><a:latin typeface="Courier" /></a:rPr><a:t>=</a:t></a:r><a:r><a:rPr><a:solidFill><a:srgbClr val="003B4F" /></a:solidFill><a:latin typeface="Courier" /></a:rPr><a:t> arr3 </a:t></a:r><a:r><a:rPr><a:solidFill><a:srgbClr val="5E5E5E" /></a:solidFill><a:latin typeface="Courier" /></a:rPr><a:t>+</a:t></a:r><a:r><a:rPr><a:solidFill><a:srgbClr val="003B4F" /></a:solidFill><a:latin typeface="Courier" /></a:rPr><a:t> arr4</a:t></a:r></a:p><a:p><a:pPr lvl="0" indent="0"><a:buNone /></a:pPr><a:r><a:rPr><a:latin typeface="Courier" /></a:rPr><a:t>ValueError: operands could not be broadcast together with shapes (3,) (2,) 
-[31m---------------------------------------------------------------------------[39m
-[31mValueError[39m                                Traceback (most recent call last)
-[36mCell[39m[36m [39m[32mIn[153][39m[32m, line 3[39m
-[32m      1[39m arr3 = np.array([[32m1[39m, [32m2[39m, [32m3[39m])
-[32m      2[39m arr4 = np.array([[32m4[39m, [32m5[39m])
-[32m----&gt; [39m[32m3[39m result = [43marr3[49m[43m [49m[43m+[49m[43m [49m[43marr4[49m
-
-[31mValueError[39m: operands could not be broadcast together with shapes (3,) (2,) </a:t></a:r></a:p></p:txBody></p:sp></p:spTree></p:cSld></p:sld>
+<file path=ppt/slides/slide18.xml><?xml version="1.0" encoding="utf-8"?>
+<p:sld xmlns:a="http://schemas.openxmlformats.org/drawingml/2006/main" xmlns:r="http://schemas.openxmlformats.org/officeDocument/2006/relationships" xmlns:p="http://schemas.openxmlformats.org/presentationml/2006/main">
+  <p:cSld>
+    <p:spTree>
+      <p:nvGrpSpPr>
+        <p:cNvPr id="1" name=""/>
+        <p:cNvGrpSpPr/>
+        <p:nvPr/>
+      </p:nvGrpSpPr>
+      <p:grpSpPr>
+        <a:xfrm>
+          <a:off x="0" y="0"/>
+          <a:ext cx="0" cy="0"/>
+          <a:chOff x="0" y="0"/>
+          <a:chExt cx="0" cy="0"/>
+        </a:xfrm>
+      </p:grpSpPr>
+      <p:sp>
+        <p:nvSpPr>
+          <p:cNvPr id="2" name="Title 1">
+            <a:extLst>
+              <a:ext uri="{FF2B5EF4-FFF2-40B4-BE49-F238E27FC236}">
+                <a16:creationId xmlns:a16="http://schemas.microsoft.com/office/drawing/2014/main" id="{3CA46E1F-6B8D-B82A-202E-7F2A50815503}"/>
+              </a:ext>
+            </a:extLst>
+          </p:cNvPr>
+          <p:cNvSpPr>
+            <a:spLocks noGrp="1"/>
+          </p:cNvSpPr>
+          <p:nvPr>
+            <p:ph type="title"/>
+          </p:nvPr>
+        </p:nvSpPr>
+        <p:spPr/>
+        <p:txBody>
+          <a:bodyPr/>
+          <a:lstStyle/>
+          <a:p>
+            <a:pPr lvl="0" indent="0" marL="0">
+              <a:buNone/>
+            </a:pPr>
+            <a:r>
+              <a:rPr/>
+              <a:t>Operations between arrays</a:t>
+            </a:r>
+          </a:p>
+        </p:txBody>
+      </p:sp>
+      <p:sp>
+        <p:nvSpPr>
+          <p:cNvPr id="3" name="Content Placeholder 2">
+            <a:extLst>
+              <a:ext uri="{FF2B5EF4-FFF2-40B4-BE49-F238E27FC236}">
+                <a16:creationId xmlns:a16="http://schemas.microsoft.com/office/drawing/2014/main" id="{D6D449D4-319E-2279-3396-A353F513B9D7}"/>
+              </a:ext>
+            </a:extLst>
+          </p:cNvPr>
+          <p:cNvSpPr>
+            <a:spLocks noGrp="1"/>
+          </p:cNvSpPr>
+          <p:nvPr>
+            <p:ph idx="1"/>
+          </p:nvPr>
+        </p:nvSpPr>
+        <p:spPr/>
+        <p:txBody>
+          <a:bodyPr/>
+          <a:lstStyle/>
+          <a:p>
+            <a:pPr lvl="0" indent="0" marL="0">
+              <a:buNone/>
+            </a:pPr>
+            <a:r>
+              <a:rPr/>
+              <a:t>You can perform arithmetic operations directly between arrays of the same shape. Operations like addition, subtraction, multiplication, and division are applied </a:t>
+            </a:r>
+            <a:r>
+              <a:rPr b="1"/>
+              <a:t>element-wise</a:t>
+            </a:r>
+            <a:r>
+              <a:rPr/>
+              <a:t>.</a:t>
+            </a:r>
+          </a:p>
+          <a:p>
+            <a:pPr lvl="0" indent="0" marL="0">
+              <a:buNone/>
+            </a:pPr>
+            <a:r>
+              <a:rPr/>
+              <a:t>For example:</a:t>
+            </a:r>
+          </a:p>
+          <a:p>
+            <a:pPr lvl="0" indent="0" marL="0">
+              <a:buNone/>
+            </a:pPr>
+            <a:r>
+              <a:rPr b="1"/>
+              <a:t>Element-wise operations:</a:t>
+            </a:r>
+          </a:p>
+          <a:p>
+            <a:pPr lvl="0" indent="0">
+              <a:buNone/>
+            </a:pPr>
+            <a:r>
+              <a:rPr>
+                <a:latin typeface="Courier"/>
+              </a:rPr>
+              <a:t>added = arr1 + arr2
+multiplied = arr1 * arr2
+print(f"Added: {added}")
+print(f"Multiplied: {multiplied}")</a:t>
+            </a:r>
+          </a:p>
+          <a:p>
+            <a:pPr lvl="0" indent="0" marL="0">
+              <a:buNone/>
+            </a:pPr>
+            <a:r>
+              <a:rPr/>
+              <a:t>. . .</a:t>
+            </a:r>
+          </a:p>
+          <a:p>
+            <a:pPr lvl="0" indent="0" marL="0">
+              <a:buNone/>
+            </a:pPr>
+            <a:r>
+              <a:rPr b="1"/>
+              <a:t>Note:</a:t>
+            </a:r>
+            <a:r>
+              <a:rPr/>
+              <a:t> Arrays must have compatible shapes!</a:t>
+            </a:r>
+          </a:p>
+          <a:p>
+            <a:pPr lvl="0" indent="0">
+              <a:buNone/>
+            </a:pPr>
+            <a:r>
+              <a:rPr>
+                <a:latin typeface="Courier"/>
+              </a:rPr>
+              <a:t>arr3 = np.array([1, 2, 3])
+arr4 = np.array([4, 5])
+result = arr3 + arr4</a:t>
+            </a:r>
+          </a:p>
+        </p:txBody>
+      </p:sp>
+    </p:spTree>
+  </p:cSld>
+</p:sld>
 </file>
 
 <file path=ppt/slides/slide19.xml><?xml version="1.0" encoding="utf-8"?>
@@ -7113,105 +5158,10 @@
             </a:pPr>
             <a:r>
               <a:rPr>
-                <a:solidFill>
-                  <a:srgbClr val="003B4F"/>
-                </a:solidFill>
                 <a:latin typeface="Courier"/>
               </a:rPr>
-              <a:t>combined </a:t>
-            </a:r>
-            <a:r>
-              <a:rPr>
-                <a:solidFill>
-                  <a:srgbClr val="5E5E5E"/>
-                </a:solidFill>
-                <a:latin typeface="Courier"/>
-              </a:rPr>
-              <a:t>=</a:t>
-            </a:r>
-            <a:r>
-              <a:rPr>
-                <a:solidFill>
-                  <a:srgbClr val="003B4F"/>
-                </a:solidFill>
-                <a:latin typeface="Courier"/>
-              </a:rPr>
-              <a:t> np.concatenate([arr1, arr2])</a:t>
-            </a:r>
-            <a:br/>
-            <a:r>
-              <a:rPr>
-                <a:solidFill>
-                  <a:srgbClr val="003B4F"/>
-                </a:solidFill>
-                <a:latin typeface="Courier"/>
-              </a:rPr>
-              <a:t>print(</a:t>
-            </a:r>
-            <a:r>
-              <a:rPr>
-                <a:solidFill>
-                  <a:srgbClr val="20794D"/>
-                </a:solidFill>
-                <a:latin typeface="Courier"/>
-              </a:rPr>
-              <a:t>f"Unique elements: </a:t>
-            </a:r>
-            <a:r>
-              <a:rPr>
-                <a:solidFill>
-                  <a:srgbClr val="5E5E5E"/>
-                </a:solidFill>
-                <a:latin typeface="Courier"/>
-              </a:rPr>
-              <a:t>{</a:t>
-            </a:r>
-            <a:r>
-              <a:rPr>
-                <a:solidFill>
-                  <a:srgbClr val="003B4F"/>
-                </a:solidFill>
-                <a:latin typeface="Courier"/>
-              </a:rPr>
-              <a:t>combined</a:t>
-            </a:r>
-            <a:r>
-              <a:rPr>
-                <a:solidFill>
-                  <a:srgbClr val="5E5E5E"/>
-                </a:solidFill>
-                <a:latin typeface="Courier"/>
-              </a:rPr>
-              <a:t>}</a:t>
-            </a:r>
-            <a:r>
-              <a:rPr>
-                <a:solidFill>
-                  <a:srgbClr val="20794D"/>
-                </a:solidFill>
-                <a:latin typeface="Courier"/>
-              </a:rPr>
-              <a:t>"</a:t>
-            </a:r>
-            <a:r>
-              <a:rPr>
-                <a:solidFill>
-                  <a:srgbClr val="003B4F"/>
-                </a:solidFill>
-                <a:latin typeface="Courier"/>
-              </a:rPr>
-              <a:t>)</a:t>
-            </a:r>
-          </a:p>
-          <a:p>
-            <a:pPr lvl="0" indent="0">
-              <a:buNone/>
-            </a:pPr>
-            <a:r>
-              <a:rPr>
-                <a:latin typeface="Courier"/>
-              </a:rPr>
-              <a:t>Unique elements: [ 1.   2.   3.   4.   6.5  8.   9.5 11. ]</a:t>
+              <a:t>combined = np.concatenate([arr1, arr2])
+print(f"Unique elements: {combined}")</a:t>
             </a:r>
           </a:p>
           <a:p>
@@ -8236,114 +6186,34 @@
             </a:pPr>
             <a:r>
               <a:rPr>
-                <a:solidFill>
-                  <a:srgbClr val="003B4F"/>
-                </a:solidFill>
                 <a:latin typeface="Courier"/>
               </a:rPr>
-              <a:t>list_ex </a:t>
-            </a:r>
-            <a:r>
-              <a:rPr>
-                <a:solidFill>
-                  <a:srgbClr val="5E5E5E"/>
-                </a:solidFill>
-                <a:latin typeface="Courier"/>
-              </a:rPr>
-              <a:t>=</a:t>
-            </a:r>
-            <a:r>
-              <a:rPr>
-                <a:solidFill>
-                  <a:srgbClr val="003B4F"/>
-                </a:solidFill>
-                <a:latin typeface="Courier"/>
-              </a:rPr>
-              <a:t> [</a:t>
-            </a:r>
-            <a:r>
-              <a:rPr>
-                <a:solidFill>
-                  <a:srgbClr val="AD0000"/>
-                </a:solidFill>
-                <a:latin typeface="Courier"/>
-              </a:rPr>
-              <a:t>1</a:t>
-            </a:r>
-            <a:r>
-              <a:rPr>
-                <a:solidFill>
-                  <a:srgbClr val="003B4F"/>
-                </a:solidFill>
-                <a:latin typeface="Courier"/>
-              </a:rPr>
-              <a:t>, </a:t>
-            </a:r>
-            <a:r>
-              <a:rPr>
-                <a:solidFill>
-                  <a:srgbClr val="AD0000"/>
-                </a:solidFill>
-                <a:latin typeface="Courier"/>
-              </a:rPr>
-              <a:t>2</a:t>
-            </a:r>
-            <a:r>
-              <a:rPr>
-                <a:solidFill>
-                  <a:srgbClr val="003B4F"/>
-                </a:solidFill>
-                <a:latin typeface="Courier"/>
-              </a:rPr>
-              <a:t>, </a:t>
-            </a:r>
-            <a:r>
-              <a:rPr>
-                <a:solidFill>
-                  <a:srgbClr val="AD0000"/>
-                </a:solidFill>
-                <a:latin typeface="Courier"/>
-              </a:rPr>
-              <a:t>3</a:t>
-            </a:r>
-            <a:r>
-              <a:rPr>
-                <a:solidFill>
-                  <a:srgbClr val="003B4F"/>
-                </a:solidFill>
-                <a:latin typeface="Courier"/>
-              </a:rPr>
-              <a:t>, </a:t>
-            </a:r>
-            <a:r>
-              <a:rPr>
-                <a:solidFill>
-                  <a:srgbClr val="AD0000"/>
-                </a:solidFill>
-                <a:latin typeface="Courier"/>
-              </a:rPr>
-              <a:t>4</a:t>
-            </a:r>
-            <a:r>
-              <a:rPr>
-                <a:solidFill>
-                  <a:srgbClr val="003B4F"/>
-                </a:solidFill>
-                <a:latin typeface="Courier"/>
-              </a:rPr>
-              <a:t>]</a:t>
-            </a:r>
-            <a:br/>
-            <a:r>
-              <a:rPr>
-                <a:solidFill>
-                  <a:srgbClr val="003B4F"/>
-                </a:solidFill>
-                <a:latin typeface="Courier"/>
-              </a:rPr>
-              <a:t>print(list_ex)</a:t>
-            </a:r>
-          </a:p>
+              <a:t>list_ex = [1, 2, 3, 4]
+print(list_ex)</a:t>
+            </a:r>
+          </a:p>
+        </p:txBody>
+      </p:sp>
+      <p:sp>
+        <p:nvSpPr>
+          <p:cNvPr id="4" name="Content Placeholder 3">
+            <a:extLst>
+              <a:ext uri="{FF2B5EF4-FFF2-40B4-BE49-F238E27FC236}">
+                <a16:creationId xmlns:a16="http://schemas.microsoft.com/office/drawing/2014/main" id="{25688C6A-8B12-D226-5E5D-7657E81DD9D4}"/>
+              </a:ext>
+            </a:extLst>
+          </p:cNvPr>
+          <p:cNvSpPr>
+            <a:spLocks noGrp="1"/>
+          </p:cNvSpPr>
+          <p:nvPr>
+            <p:ph idx="2" sz="half"/>
+          </p:nvPr>
+        </p:nvSpPr>
+        <p:spPr/>
+        <p:txBody>
+          <a:bodyPr/>
+          <a:lstStyle/>
           <a:p>
             <a:pPr lvl="0" indent="0">
               <a:buNone/>
@@ -8352,201 +6222,10 @@
               <a:rPr>
                 <a:latin typeface="Courier"/>
               </a:rPr>
-              <a:t>[1, 2, 3, 4]</a:t>
-            </a:r>
-          </a:p>
-        </p:txBody>
-      </p:sp>
-      <p:sp>
-        <p:nvSpPr>
-          <p:cNvPr id="4" name="Content Placeholder 3">
-            <a:extLst>
-              <a:ext uri="{FF2B5EF4-FFF2-40B4-BE49-F238E27FC236}">
-                <a16:creationId xmlns:a16="http://schemas.microsoft.com/office/drawing/2014/main" id="{25688C6A-8B12-D226-5E5D-7657E81DD9D4}"/>
-              </a:ext>
-            </a:extLst>
-          </p:cNvPr>
-          <p:cNvSpPr>
-            <a:spLocks noGrp="1"/>
-          </p:cNvSpPr>
-          <p:nvPr>
-            <p:ph idx="2" sz="half"/>
-          </p:nvPr>
-        </p:nvSpPr>
-        <p:spPr/>
-        <p:txBody>
-          <a:bodyPr/>
-          <a:lstStyle/>
-          <a:p>
-            <a:pPr lvl="0" indent="0">
-              <a:buNone/>
-            </a:pPr>
-            <a:r>
-              <a:rPr>
-                <a:solidFill>
-                  <a:srgbClr val="00769E"/>
-                </a:solidFill>
-                <a:latin typeface="Courier"/>
-              </a:rPr>
-              <a:t>import</a:t>
-            </a:r>
-            <a:r>
-              <a:rPr>
-                <a:solidFill>
-                  <a:srgbClr val="003B4F"/>
-                </a:solidFill>
-                <a:latin typeface="Courier"/>
-              </a:rPr>
-              <a:t> numpy </a:t>
-            </a:r>
-            <a:r>
-              <a:rPr>
-                <a:solidFill>
-                  <a:srgbClr val="00769E"/>
-                </a:solidFill>
-                <a:latin typeface="Courier"/>
-              </a:rPr>
-              <a:t>as</a:t>
-            </a:r>
-            <a:r>
-              <a:rPr>
-                <a:solidFill>
-                  <a:srgbClr val="003B4F"/>
-                </a:solidFill>
-                <a:latin typeface="Courier"/>
-              </a:rPr>
-              <a:t> np</a:t>
-            </a:r>
-            <a:br/>
-            <a:r>
-              <a:rPr>
-                <a:solidFill>
-                  <a:srgbClr val="5E5E5E"/>
-                </a:solidFill>
-                <a:latin typeface="Courier"/>
-              </a:rPr>
-              <a:t>#notice that we explicitly call the np.array()</a:t>
-            </a:r>
-            <a:br/>
-            <a:r>
-              <a:rPr>
-                <a:solidFill>
-                  <a:srgbClr val="003B4F"/>
-                </a:solidFill>
-                <a:latin typeface="Courier"/>
-              </a:rPr>
-              <a:t>arr_ex </a:t>
-            </a:r>
-            <a:r>
-              <a:rPr>
-                <a:solidFill>
-                  <a:srgbClr val="5E5E5E"/>
-                </a:solidFill>
-                <a:latin typeface="Courier"/>
-              </a:rPr>
-              <a:t>=</a:t>
-            </a:r>
-            <a:r>
-              <a:rPr>
-                <a:solidFill>
-                  <a:srgbClr val="003B4F"/>
-                </a:solidFill>
-                <a:latin typeface="Courier"/>
-              </a:rPr>
-              <a:t> np.array([</a:t>
-            </a:r>
-            <a:r>
-              <a:rPr>
-                <a:solidFill>
-                  <a:srgbClr val="AD0000"/>
-                </a:solidFill>
-                <a:latin typeface="Courier"/>
-              </a:rPr>
-              <a:t>1</a:t>
-            </a:r>
-            <a:r>
-              <a:rPr>
-                <a:solidFill>
-                  <a:srgbClr val="003B4F"/>
-                </a:solidFill>
-                <a:latin typeface="Courier"/>
-              </a:rPr>
-              <a:t>, </a:t>
-            </a:r>
-            <a:r>
-              <a:rPr>
-                <a:solidFill>
-                  <a:srgbClr val="AD0000"/>
-                </a:solidFill>
-                <a:latin typeface="Courier"/>
-              </a:rPr>
-              <a:t>2</a:t>
-            </a:r>
-            <a:r>
-              <a:rPr>
-                <a:solidFill>
-                  <a:srgbClr val="003B4F"/>
-                </a:solidFill>
-                <a:latin typeface="Courier"/>
-              </a:rPr>
-              <a:t>, </a:t>
-            </a:r>
-            <a:r>
-              <a:rPr>
-                <a:solidFill>
-                  <a:srgbClr val="AD0000"/>
-                </a:solidFill>
-                <a:latin typeface="Courier"/>
-              </a:rPr>
-              <a:t>3</a:t>
-            </a:r>
-            <a:r>
-              <a:rPr>
-                <a:solidFill>
-                  <a:srgbClr val="003B4F"/>
-                </a:solidFill>
-                <a:latin typeface="Courier"/>
-              </a:rPr>
-              <a:t>, </a:t>
-            </a:r>
-            <a:r>
-              <a:rPr>
-                <a:solidFill>
-                  <a:srgbClr val="AD0000"/>
-                </a:solidFill>
-                <a:latin typeface="Courier"/>
-              </a:rPr>
-              <a:t>4</a:t>
-            </a:r>
-            <a:r>
-              <a:rPr>
-                <a:solidFill>
-                  <a:srgbClr val="003B4F"/>
-                </a:solidFill>
-                <a:latin typeface="Courier"/>
-              </a:rPr>
-              <a:t>]) </a:t>
-            </a:r>
-            <a:br/>
-            <a:r>
-              <a:rPr>
-                <a:solidFill>
-                  <a:srgbClr val="003B4F"/>
-                </a:solidFill>
-                <a:latin typeface="Courier"/>
-              </a:rPr>
-              <a:t>print(arr_ex)</a:t>
-            </a:r>
-          </a:p>
-          <a:p>
-            <a:pPr lvl="0" indent="0">
-              <a:buNone/>
-            </a:pPr>
-            <a:r>
-              <a:rPr>
-                <a:latin typeface="Courier"/>
-              </a:rPr>
-              <a:t>[1 2 3 4]</a:t>
+              <a:t>import numpy as np
+#notice that we explicitly call the np.array()
+arr_ex = np.array([1, 2, 3, 4]) 
+print(arr_ex)</a:t>
             </a:r>
           </a:p>
         </p:txBody>
@@ -8692,223 +6371,39 @@
             </a:pPr>
             <a:r>
               <a:rPr>
-                <a:solidFill>
-                  <a:srgbClr val="00769E"/>
-                </a:solidFill>
                 <a:latin typeface="Courier"/>
               </a:rPr>
-              <a:t>import</a:t>
-            </a:r>
-            <a:r>
-              <a:rPr>
-                <a:solidFill>
-                  <a:srgbClr val="003B4F"/>
-                </a:solidFill>
-                <a:latin typeface="Courier"/>
-              </a:rPr>
-              <a:t> numpy </a:t>
-            </a:r>
-            <a:r>
-              <a:rPr>
-                <a:solidFill>
-                  <a:srgbClr val="00769E"/>
-                </a:solidFill>
-                <a:latin typeface="Courier"/>
-              </a:rPr>
-              <a:t>as</a:t>
-            </a:r>
-            <a:r>
-              <a:rPr>
-                <a:solidFill>
-                  <a:srgbClr val="003B4F"/>
-                </a:solidFill>
-                <a:latin typeface="Courier"/>
-              </a:rPr>
-              <a:t> np</a:t>
-            </a:r>
-            <a:br/>
-            <a:r>
-              <a:rPr>
-                <a:solidFill>
-                  <a:srgbClr val="5E5E5E"/>
-                </a:solidFill>
-                <a:latin typeface="Courier"/>
-              </a:rPr>
-              <a:t># Create array from list</a:t>
-            </a:r>
-            <a:br/>
-            <a:r>
-              <a:rPr>
-                <a:solidFill>
-                  <a:srgbClr val="003B4F"/>
-                </a:solidFill>
-                <a:latin typeface="Courier"/>
-              </a:rPr>
-              <a:t>list1 </a:t>
-            </a:r>
-            <a:r>
-              <a:rPr>
-                <a:solidFill>
-                  <a:srgbClr val="5E5E5E"/>
-                </a:solidFill>
-                <a:latin typeface="Courier"/>
-              </a:rPr>
-              <a:t>=</a:t>
-            </a:r>
-            <a:r>
-              <a:rPr>
-                <a:solidFill>
-                  <a:srgbClr val="003B4F"/>
-                </a:solidFill>
-                <a:latin typeface="Courier"/>
-              </a:rPr>
-              <a:t> [</a:t>
-            </a:r>
-            <a:r>
-              <a:rPr>
-                <a:solidFill>
-                  <a:srgbClr val="AD0000"/>
-                </a:solidFill>
-                <a:latin typeface="Courier"/>
-              </a:rPr>
-              <a:t>1.</a:t>
-            </a:r>
-            <a:r>
-              <a:rPr>
-                <a:solidFill>
-                  <a:srgbClr val="003B4F"/>
-                </a:solidFill>
-                <a:latin typeface="Courier"/>
-              </a:rPr>
-              <a:t>,</a:t>
-            </a:r>
-            <a:r>
-              <a:rPr>
-                <a:solidFill>
-                  <a:srgbClr val="AD0000"/>
-                </a:solidFill>
-                <a:latin typeface="Courier"/>
-              </a:rPr>
-              <a:t>1.</a:t>
-            </a:r>
-            <a:r>
-              <a:rPr>
-                <a:solidFill>
-                  <a:srgbClr val="003B4F"/>
-                </a:solidFill>
-                <a:latin typeface="Courier"/>
-              </a:rPr>
-              <a:t>,</a:t>
-            </a:r>
-            <a:r>
-              <a:rPr>
-                <a:solidFill>
-                  <a:srgbClr val="AD0000"/>
-                </a:solidFill>
-                <a:latin typeface="Courier"/>
-              </a:rPr>
-              <a:t>2.</a:t>
-            </a:r>
-            <a:r>
-              <a:rPr>
-                <a:solidFill>
-                  <a:srgbClr val="003B4F"/>
-                </a:solidFill>
-                <a:latin typeface="Courier"/>
-              </a:rPr>
-              <a:t>,</a:t>
-            </a:r>
-            <a:r>
-              <a:rPr>
-                <a:solidFill>
-                  <a:srgbClr val="AD0000"/>
-                </a:solidFill>
-                <a:latin typeface="Courier"/>
-              </a:rPr>
-              <a:t>3.</a:t>
-            </a:r>
-            <a:r>
-              <a:rPr>
-                <a:solidFill>
-                  <a:srgbClr val="003B4F"/>
-                </a:solidFill>
-                <a:latin typeface="Courier"/>
-              </a:rPr>
-              <a:t>,</a:t>
-            </a:r>
-            <a:r>
-              <a:rPr>
-                <a:solidFill>
-                  <a:srgbClr val="AD0000"/>
-                </a:solidFill>
-                <a:latin typeface="Courier"/>
-              </a:rPr>
-              <a:t>5.</a:t>
-            </a:r>
-            <a:r>
-              <a:rPr>
-                <a:solidFill>
-                  <a:srgbClr val="003B4F"/>
-                </a:solidFill>
-                <a:latin typeface="Courier"/>
-              </a:rPr>
-              <a:t>,</a:t>
-            </a:r>
-            <a:r>
-              <a:rPr>
-                <a:solidFill>
-                  <a:srgbClr val="AD0000"/>
-                </a:solidFill>
-                <a:latin typeface="Courier"/>
-              </a:rPr>
-              <a:t>8.</a:t>
-            </a:r>
-            <a:r>
-              <a:rPr>
-                <a:solidFill>
-                  <a:srgbClr val="003B4F"/>
-                </a:solidFill>
-                <a:latin typeface="Courier"/>
-              </a:rPr>
-              <a:t>]</a:t>
-            </a:r>
-            <a:br/>
-            <a:r>
-              <a:rPr>
-                <a:solidFill>
-                  <a:srgbClr val="003B4F"/>
-                </a:solidFill>
-                <a:latin typeface="Courier"/>
-              </a:rPr>
-              <a:t>arr1 </a:t>
-            </a:r>
-            <a:r>
-              <a:rPr>
-                <a:solidFill>
-                  <a:srgbClr val="5E5E5E"/>
-                </a:solidFill>
-                <a:latin typeface="Courier"/>
-              </a:rPr>
-              <a:t>=</a:t>
-            </a:r>
-            <a:r>
-              <a:rPr>
-                <a:solidFill>
-                  <a:srgbClr val="003B4F"/>
-                </a:solidFill>
-                <a:latin typeface="Courier"/>
-              </a:rPr>
-              <a:t> np.array(list1)</a:t>
-            </a:r>
-            <a:br/>
-            <a:r>
-              <a:rPr>
-                <a:solidFill>
-                  <a:srgbClr val="003B4F"/>
-                </a:solidFill>
-                <a:latin typeface="Courier"/>
-              </a:rPr>
-              <a:t>print(arr1)</a:t>
+              <a:t>import numpy as np
+# Create array from list
+list1 = [1.,1.,2.,3.,5.,8.]
+arr1 = np.array(list1)
+print(arr1)</a:t>
+            </a:r>
+          </a:p>
+          <a:p>
+            <a:pPr lvl="0" indent="0" marL="0">
+              <a:buNone/>
+            </a:pPr>
+            <a:r>
+              <a:rPr/>
+              <a:t>. . .</a:t>
+            </a:r>
+          </a:p>
+          <a:p>
+            <a:pPr lvl="0" indent="0" marL="0">
+              <a:buNone/>
+            </a:pPr>
+            <a:r>
+              <a:rPr/>
+              <a:t>The type of the elements yields the </a:t>
+            </a:r>
+            <a:r>
+              <a:rPr b="1"/>
+              <a:t>data type</a:t>
+            </a:r>
+            <a:r>
+              <a:rPr/>
+              <a:t> of the array</a:t>
             </a:r>
           </a:p>
           <a:p>
@@ -8919,58 +6414,7 @@
               <a:rPr>
                 <a:latin typeface="Courier"/>
               </a:rPr>
-              <a:t>[1. 1. 2. 3. 5. 8.]</a:t>
-            </a:r>
-          </a:p>
-          <a:p>
-            <a:pPr lvl="0" indent="0" marL="0">
-              <a:buNone/>
-            </a:pPr>
-            <a:r>
-              <a:rPr/>
-              <a:t>. . .</a:t>
-            </a:r>
-          </a:p>
-          <a:p>
-            <a:pPr lvl="0" indent="0" marL="0">
-              <a:buNone/>
-            </a:pPr>
-            <a:r>
-              <a:rPr/>
-              <a:t>The type of the elements yields the </a:t>
-            </a:r>
-            <a:r>
-              <a:rPr b="1"/>
-              <a:t>data type</a:t>
-            </a:r>
-            <a:r>
-              <a:rPr/>
-              <a:t> of the array</a:t>
-            </a:r>
-          </a:p>
-          <a:p>
-            <a:pPr lvl="0" indent="0">
-              <a:buNone/>
-            </a:pPr>
-            <a:r>
-              <a:rPr>
-                <a:solidFill>
-                  <a:srgbClr val="003B4F"/>
-                </a:solidFill>
-                <a:latin typeface="Courier"/>
-              </a:rPr>
               <a:t>print(arr1.dtype)</a:t>
-            </a:r>
-          </a:p>
-          <a:p>
-            <a:pPr lvl="0" indent="0">
-              <a:buNone/>
-            </a:pPr>
-            <a:r>
-              <a:rPr>
-                <a:latin typeface="Courier"/>
-              </a:rPr>
-              <a:t>float64</a:t>
             </a:r>
           </a:p>
           <a:p>
@@ -9101,261 +6545,11 @@
             </a:pPr>
             <a:r>
               <a:rPr>
-                <a:solidFill>
-                  <a:srgbClr val="003B4F"/>
-                </a:solidFill>
                 <a:latin typeface="Courier"/>
               </a:rPr>
-              <a:t>print(</a:t>
-            </a:r>
-            <a:r>
-              <a:rPr>
-                <a:solidFill>
-                  <a:srgbClr val="20794D"/>
-                </a:solidFill>
-                <a:latin typeface="Courier"/>
-              </a:rPr>
-              <a:t>f"Data type: </a:t>
-            </a:r>
-            <a:r>
-              <a:rPr>
-                <a:solidFill>
-                  <a:srgbClr val="5E5E5E"/>
-                </a:solidFill>
-                <a:latin typeface="Courier"/>
-              </a:rPr>
-              <a:t>{</a:t>
-            </a:r>
-            <a:r>
-              <a:rPr>
-                <a:solidFill>
-                  <a:srgbClr val="003B4F"/>
-                </a:solidFill>
-                <a:latin typeface="Courier"/>
-              </a:rPr>
-              <a:t>arr1</a:t>
-            </a:r>
-            <a:r>
-              <a:rPr>
-                <a:solidFill>
-                  <a:srgbClr val="5E5E5E"/>
-                </a:solidFill>
-                <a:latin typeface="Courier"/>
-              </a:rPr>
-              <a:t>.</a:t>
-            </a:r>
-            <a:r>
-              <a:rPr>
-                <a:solidFill>
-                  <a:srgbClr val="003B4F"/>
-                </a:solidFill>
-                <a:latin typeface="Courier"/>
-              </a:rPr>
-              <a:t>dtype</a:t>
-            </a:r>
-            <a:r>
-              <a:rPr>
-                <a:solidFill>
-                  <a:srgbClr val="5E5E5E"/>
-                </a:solidFill>
-                <a:latin typeface="Courier"/>
-              </a:rPr>
-              <a:t>}</a:t>
-            </a:r>
-            <a:r>
-              <a:rPr>
-                <a:solidFill>
-                  <a:srgbClr val="20794D"/>
-                </a:solidFill>
-                <a:latin typeface="Courier"/>
-              </a:rPr>
-              <a:t>"</a:t>
-            </a:r>
-            <a:r>
-              <a:rPr>
-                <a:solidFill>
-                  <a:srgbClr val="003B4F"/>
-                </a:solidFill>
-                <a:latin typeface="Courier"/>
-              </a:rPr>
-              <a:t>)</a:t>
-            </a:r>
-            <a:br/>
-            <a:r>
-              <a:rPr>
-                <a:solidFill>
-                  <a:srgbClr val="003B4F"/>
-                </a:solidFill>
-                <a:latin typeface="Courier"/>
-              </a:rPr>
-              <a:t>print(</a:t>
-            </a:r>
-            <a:r>
-              <a:rPr>
-                <a:solidFill>
-                  <a:srgbClr val="20794D"/>
-                </a:solidFill>
-                <a:latin typeface="Courier"/>
-              </a:rPr>
-              <a:t>f"Shape: </a:t>
-            </a:r>
-            <a:r>
-              <a:rPr>
-                <a:solidFill>
-                  <a:srgbClr val="5E5E5E"/>
-                </a:solidFill>
-                <a:latin typeface="Courier"/>
-              </a:rPr>
-              <a:t>{</a:t>
-            </a:r>
-            <a:r>
-              <a:rPr>
-                <a:solidFill>
-                  <a:srgbClr val="003B4F"/>
-                </a:solidFill>
-                <a:latin typeface="Courier"/>
-              </a:rPr>
-              <a:t>arr1</a:t>
-            </a:r>
-            <a:r>
-              <a:rPr>
-                <a:solidFill>
-                  <a:srgbClr val="5E5E5E"/>
-                </a:solidFill>
-                <a:latin typeface="Courier"/>
-              </a:rPr>
-              <a:t>.</a:t>
-            </a:r>
-            <a:r>
-              <a:rPr>
-                <a:solidFill>
-                  <a:srgbClr val="003B4F"/>
-                </a:solidFill>
-                <a:latin typeface="Courier"/>
-              </a:rPr>
-              <a:t>shape</a:t>
-            </a:r>
-            <a:r>
-              <a:rPr>
-                <a:solidFill>
-                  <a:srgbClr val="5E5E5E"/>
-                </a:solidFill>
-                <a:latin typeface="Courier"/>
-              </a:rPr>
-              <a:t>}</a:t>
-            </a:r>
-            <a:r>
-              <a:rPr>
-                <a:solidFill>
-                  <a:srgbClr val="20794D"/>
-                </a:solidFill>
-                <a:latin typeface="Courier"/>
-              </a:rPr>
-              <a:t>"</a:t>
-            </a:r>
-            <a:r>
-              <a:rPr>
-                <a:solidFill>
-                  <a:srgbClr val="003B4F"/>
-                </a:solidFill>
-                <a:latin typeface="Courier"/>
-              </a:rPr>
-              <a:t>)</a:t>
-            </a:r>
-            <a:br/>
-            <a:r>
-              <a:rPr>
-                <a:solidFill>
-                  <a:srgbClr val="003B4F"/>
-                </a:solidFill>
-                <a:latin typeface="Courier"/>
-              </a:rPr>
-              <a:t>print(</a:t>
-            </a:r>
-            <a:r>
-              <a:rPr>
-                <a:solidFill>
-                  <a:srgbClr val="20794D"/>
-                </a:solidFill>
-                <a:latin typeface="Courier"/>
-              </a:rPr>
-              <a:t>f"Shape: </a:t>
-            </a:r>
-            <a:r>
-              <a:rPr>
-                <a:solidFill>
-                  <a:srgbClr val="5E5E5E"/>
-                </a:solidFill>
-                <a:latin typeface="Courier"/>
-              </a:rPr>
-              <a:t>{</a:t>
-            </a:r>
-            <a:r>
-              <a:rPr>
-                <a:solidFill>
-                  <a:srgbClr val="003B4F"/>
-                </a:solidFill>
-                <a:latin typeface="Courier"/>
-              </a:rPr>
-              <a:t>arr1</a:t>
-            </a:r>
-            <a:r>
-              <a:rPr>
-                <a:solidFill>
-                  <a:srgbClr val="5E5E5E"/>
-                </a:solidFill>
-                <a:latin typeface="Courier"/>
-              </a:rPr>
-              <a:t>.</a:t>
-            </a:r>
-            <a:r>
-              <a:rPr>
-                <a:solidFill>
-                  <a:srgbClr val="003B4F"/>
-                </a:solidFill>
-                <a:latin typeface="Courier"/>
-              </a:rPr>
-              <a:t>size</a:t>
-            </a:r>
-            <a:r>
-              <a:rPr>
-                <a:solidFill>
-                  <a:srgbClr val="5E5E5E"/>
-                </a:solidFill>
-                <a:latin typeface="Courier"/>
-              </a:rPr>
-              <a:t>}</a:t>
-            </a:r>
-            <a:r>
-              <a:rPr>
-                <a:solidFill>
-                  <a:srgbClr val="20794D"/>
-                </a:solidFill>
-                <a:latin typeface="Courier"/>
-              </a:rPr>
-              <a:t>"</a:t>
-            </a:r>
-            <a:r>
-              <a:rPr>
-                <a:solidFill>
-                  <a:srgbClr val="003B4F"/>
-                </a:solidFill>
-                <a:latin typeface="Courier"/>
-              </a:rPr>
-              <a:t>)</a:t>
-            </a:r>
-          </a:p>
-          <a:p>
-            <a:pPr lvl="0" indent="0">
-              <a:buNone/>
-            </a:pPr>
-            <a:r>
-              <a:rPr>
-                <a:latin typeface="Courier"/>
-              </a:rPr>
-              <a:t>Data type: float64
-Shape: (6,)
-Shape: 6</a:t>
+              <a:t>print(f"Data type: {arr1.dtype}")
+print(f"Shape: {arr1.shape}")
+print(f"Shape: {arr1.size}")</a:t>
             </a:r>
           </a:p>
           <a:p>

--- a/slides/07_intro_numpy_slides.pptx
+++ b/slides/07_intro_numpy_slides.pptx
@@ -3551,7 +3551,8 @@
               <a:rPr>
                 <a:latin typeface="Courier"/>
               </a:rPr>
-              <a:t>print(arr1[0])    # First element
+              <a:t>#| caption: "▶ Ctrl/Cmd+Enter | ⇥ Ctrl/Cmd+] | ⇤ Ctrl/Cmd+["
+print(arr1[0])    # First element
 print(arr1[-1])   # Last element</a:t>
             </a:r>
           </a:p>
@@ -3576,7 +3577,8 @@
               <a:rPr>
                 <a:latin typeface="Courier"/>
               </a:rPr>
-              <a:t>print(arr1[3:6])  # Elements from index 3 to 6</a:t>
+              <a:t>#| caption: "▶ Ctrl/Cmd+Enter | ⇥ Ctrl/Cmd+] | ⇤ Ctrl/Cmd+["
+print(arr1[3:6])  # Elements from index 3 to 6</a:t>
             </a:r>
           </a:p>
         </p:txBody>
@@ -3680,7 +3682,8 @@
               <a:rPr>
                 <a:latin typeface="Courier"/>
               </a:rPr>
-              <a:t>list1 = [1,2,3,4]</a:t>
+              <a:t>#| caption: "▶ Ctrl/Cmd+Enter | ⇥ Ctrl/Cmd+] | ⇤ Ctrl/Cmd+["
+list1 = [1,2,3,4]</a:t>
             </a:r>
           </a:p>
           <a:p>
@@ -3700,7 +3703,8 @@
               <a:rPr>
                 <a:latin typeface="Courier"/>
               </a:rPr>
-              <a:t>list2 = []
+              <a:t>#| caption: "▶ Ctrl/Cmd+Enter | ⇥ Ctrl/Cmd+] | ⇤ Ctrl/Cmd+["
+list2 = []
 for item in list1:
     list2.append(2*item)
 print(list2)</a:t>
@@ -3727,7 +3731,8 @@
               <a:rPr>
                 <a:latin typeface="Courier"/>
               </a:rPr>
-              <a:t>list2 = [item*2 for item in list1]</a:t>
+              <a:t>#| caption: "▶ Ctrl/Cmd+Enter | ⇥ Ctrl/Cmd+] | ⇤ Ctrl/Cmd+["
+list2 = [item*2 for item in list1]</a:t>
             </a:r>
           </a:p>
           <a:p>
@@ -3849,7 +3854,8 @@
               <a:rPr>
                 <a:latin typeface="Courier"/>
               </a:rPr>
-              <a:t>arr1 = np.array(list1)
+              <a:t>#| caption: "▶ Ctrl/Cmd+Enter | ⇥ Ctrl/Cmd+] | ⇤ Ctrl/Cmd+["
+arr1 = np.array(list1)
 arr2 = 2*arr1
 print(arr2)</a:t>
             </a:r>
@@ -3982,7 +3988,8 @@
               <a:rPr>
                 <a:latin typeface="Courier"/>
               </a:rPr>
-              <a:t># Create a large list and array
+              <a:t>#| caption: "▶ Ctrl/Cmd+Enter | ⇥ Ctrl/Cmd+] | ⇤ Ctrl/Cmd+["
+# Create a large list and array
 large_list = list(range(1_000_000))
 large_array = np.array(large_list)</a:t>
             </a:r>
@@ -4004,7 +4011,8 @@
               <a:rPr>
                 <a:latin typeface="Courier"/>
               </a:rPr>
-              <a:t>import time
+              <a:t>#| caption: "▶ Ctrl/Cmd+Enter | ⇥ Ctrl/Cmd+] | ⇤ Ctrl/Cmd+["
+import time
 #  Track the time taken for the list multiplication
 start = time.time()
 list_result = [x * 2 for x in large_list]
@@ -4155,7 +4163,8 @@
               <a:rPr>
                 <a:latin typeface="Courier"/>
               </a:rPr>
-              <a:t># Element-wise functions
+              <a:t>#| caption: "▶ Ctrl/Cmd+Enter | ⇥ Ctrl/Cmd+] | ⇤ Ctrl/Cmd+["
+# Element-wise functions
 print(f"Square root: {np.sqrt(arr1)}")
 print(f"Mean: {np.mean(arr1)}")
 print(f"Cosine: {np.cos(arr1)}")</a:t>
@@ -4191,7 +4200,8 @@
               <a:rPr>
                 <a:latin typeface="Courier"/>
               </a:rPr>
-              <a:t>arr2 = arr1*3/2 + 5
+              <a:t>#| caption: "▶ Ctrl/Cmd+Enter | ⇥ Ctrl/Cmd+] | ⇤ Ctrl/Cmd+["
+arr2 = arr1*3/2 + 5
 print(f"Original: {arr1}")
 print(f"Modified: {arr2}")</a:t>
             </a:r>
@@ -4316,7 +4326,8 @@
                   <a:rPr>
                     <a:latin typeface="Courier"/>
                   </a:rPr>
-                  <a:t>x = np.array([1,2,3,4,5,6,7,8])</a:t>
+                  <a:t>#| caption: "▶ Ctrl/Cmd+Enter | ⇥ Ctrl/Cmd+] | ⇤ Ctrl/Cmd+["
+x = np.array([1,2,3,4,5,6,7,8])</a:t>
                 </a:r>
               </a:p>
               <a:p>
@@ -4409,7 +4420,8 @@
                   <a:rPr>
                     <a:latin typeface="Courier"/>
                   </a:rPr>
-                  <a:t>S = np.sum(x)
+                  <a:t>#| caption: "▶ Ctrl/Cmd+Enter | ⇥ Ctrl/Cmd+] | ⇤ Ctrl/Cmd+["
+S = np.sum(x)
 print(S)</a:t>
                 </a:r>
               </a:p>
@@ -4600,7 +4612,8 @@
                   <a:rPr>
                     <a:latin typeface="Courier"/>
                   </a:rPr>
-                  <a:t> y = np.cumsum(x)
+                  <a:t>#| caption: "▶ Ctrl/Cmd+Enter | ⇥ Ctrl/Cmd+] | ⇤ Ctrl/Cmd+["
+ y = np.cumsum(x)
  print(y)</a:t>
                 </a:r>
               </a:p>
@@ -4881,7 +4894,8 @@
                   <a:rPr>
                     <a:latin typeface="Courier"/>
                   </a:rPr>
-                  <a:t>a = np.array([2, 1, 4])      # Number of atoms for each element
+                  <a:t>#| caption: "▶ Ctrl/Cmd+Enter | ⇥ Ctrl/Cmd+] | ⇤ Ctrl/Cmd+["
+a = np.array([2, 1, 4])      # Number of atoms for each element
 m = np.array([12.01, 1.01, 16.00])  # Atomic masses (e.g., C, H, O)
 M = np.sum(a * m)
 print(f"Molecular mass: {M}")</a:t>
@@ -5007,7 +5021,8 @@
               <a:rPr>
                 <a:latin typeface="Courier"/>
               </a:rPr>
-              <a:t>added = arr1 + arr2
+              <a:t>#| caption: "▶ Ctrl/Cmd+Enter | ⇥ Ctrl/Cmd+] | ⇤ Ctrl/Cmd+["
+added = arr1 + arr2
 multiplied = arr1 * arr2
 print(f"Added: {added}")
 print(f"Multiplied: {multiplied}")</a:t>
@@ -5043,7 +5058,8 @@
               <a:rPr>
                 <a:latin typeface="Courier"/>
               </a:rPr>
-              <a:t>arr3 = np.array([1, 2, 3])
+              <a:t>#| caption: "▶ Ctrl/Cmd+Enter | ⇥ Ctrl/Cmd+] | ⇤ Ctrl/Cmd+["
+arr3 = np.array([1, 2, 3])
 arr4 = np.array([4, 5])
 result = arr3 + arr4</a:t>
             </a:r>
@@ -5160,7 +5176,8 @@
               <a:rPr>
                 <a:latin typeface="Courier"/>
               </a:rPr>
-              <a:t>combined = np.concatenate([arr1, arr2])
+              <a:t>#| caption: "▶ Ctrl/Cmd+Enter | ⇥ Ctrl/Cmd+] | ⇤ Ctrl/Cmd+["
+combined = np.concatenate([arr1, arr2])
 print(f"Unique elements: {combined}")</a:t>
             </a:r>
           </a:p>
@@ -6188,7 +6205,8 @@
               <a:rPr>
                 <a:latin typeface="Courier"/>
               </a:rPr>
-              <a:t>list_ex = [1, 2, 3, 4]
+              <a:t>#| caption: "▶ Ctrl/Cmd+Enter | ⇥ Ctrl/Cmd+] | ⇤ Ctrl/Cmd+["
+list_ex = [1, 2, 3, 4]
 print(list_ex)</a:t>
             </a:r>
           </a:p>
@@ -6222,7 +6240,8 @@
               <a:rPr>
                 <a:latin typeface="Courier"/>
               </a:rPr>
-              <a:t>import numpy as np
+              <a:t>#| caption: "▶ Ctrl/Cmd+Enter | ⇥ Ctrl/Cmd+] | ⇤ Ctrl/Cmd+["
+import numpy as np
 #notice that we explicitly call the np.array()
 arr_ex = np.array([1, 2, 3, 4]) 
 print(arr_ex)</a:t>
@@ -6373,7 +6392,8 @@
               <a:rPr>
                 <a:latin typeface="Courier"/>
               </a:rPr>
-              <a:t>import numpy as np
+              <a:t>#| caption: "▶ Ctrl/Cmd+Enter | ⇥ Ctrl/Cmd+] | ⇤ Ctrl/Cmd+["
+import numpy as np
 # Create array from list
 list1 = [1.,1.,2.,3.,5.,8.]
 arr1 = np.array(list1)
@@ -6414,7 +6434,8 @@
               <a:rPr>
                 <a:latin typeface="Courier"/>
               </a:rPr>
-              <a:t>print(arr1.dtype)</a:t>
+              <a:t>#| caption: "▶ Ctrl/Cmd+Enter | ⇥ Ctrl/Cmd+] | ⇤ Ctrl/Cmd+["
+print(arr1.dtype)</a:t>
             </a:r>
           </a:p>
           <a:p>
@@ -6547,7 +6568,8 @@
               <a:rPr>
                 <a:latin typeface="Courier"/>
               </a:rPr>
-              <a:t>print(f"Data type: {arr1.dtype}")
+              <a:t>#| caption: "▶ Ctrl/Cmd+Enter | ⇥ Ctrl/Cmd+] | ⇤ Ctrl/Cmd+["
+print(f"Data type: {arr1.dtype}")
 print(f"Shape: {arr1.shape}")
 print(f"Shape: {arr1.size}")</a:t>
             </a:r>

--- a/slides/07_intro_numpy_slides.pptx
+++ b/slides/07_intro_numpy_slides.pptx
@@ -3551,8 +3551,7 @@
               <a:rPr>
                 <a:latin typeface="Courier"/>
               </a:rPr>
-              <a:t>#| caption: "▶ Ctrl/Cmd+Enter | ⇥ Ctrl/Cmd+] | ⇤ Ctrl/Cmd+["
-print(arr1[0])    # First element
+              <a:t>print(arr1[0])    # First element
 print(arr1[-1])   # Last element</a:t>
             </a:r>
           </a:p>
@@ -3577,8 +3576,7 @@
               <a:rPr>
                 <a:latin typeface="Courier"/>
               </a:rPr>
-              <a:t>#| caption: "▶ Ctrl/Cmd+Enter | ⇥ Ctrl/Cmd+] | ⇤ Ctrl/Cmd+["
-print(arr1[3:6])  # Elements from index 3 to 6</a:t>
+              <a:t>print(arr1[3:6])  # Elements from index 3 to 6</a:t>
             </a:r>
           </a:p>
         </p:txBody>
@@ -3682,8 +3680,7 @@
               <a:rPr>
                 <a:latin typeface="Courier"/>
               </a:rPr>
-              <a:t>#| caption: "▶ Ctrl/Cmd+Enter | ⇥ Ctrl/Cmd+] | ⇤ Ctrl/Cmd+["
-list1 = [1,2,3,4]</a:t>
+              <a:t>list1 = [1,2,3,4]</a:t>
             </a:r>
           </a:p>
           <a:p>
@@ -3703,8 +3700,7 @@
               <a:rPr>
                 <a:latin typeface="Courier"/>
               </a:rPr>
-              <a:t>#| caption: "▶ Ctrl/Cmd+Enter | ⇥ Ctrl/Cmd+] | ⇤ Ctrl/Cmd+["
-list2 = []
+              <a:t>list2 = []
 for item in list1:
     list2.append(2*item)
 print(list2)</a:t>
@@ -3731,8 +3727,7 @@
               <a:rPr>
                 <a:latin typeface="Courier"/>
               </a:rPr>
-              <a:t>#| caption: "▶ Ctrl/Cmd+Enter | ⇥ Ctrl/Cmd+] | ⇤ Ctrl/Cmd+["
-list2 = [item*2 for item in list1]</a:t>
+              <a:t>list2 = [item*2 for item in list1]</a:t>
             </a:r>
           </a:p>
           <a:p>
@@ -3854,8 +3849,7 @@
               <a:rPr>
                 <a:latin typeface="Courier"/>
               </a:rPr>
-              <a:t>#| caption: "▶ Ctrl/Cmd+Enter | ⇥ Ctrl/Cmd+] | ⇤ Ctrl/Cmd+["
-arr1 = np.array(list1)
+              <a:t>arr1 = np.array(list1)
 arr2 = 2*arr1
 print(arr2)</a:t>
             </a:r>
@@ -3988,8 +3982,7 @@
               <a:rPr>
                 <a:latin typeface="Courier"/>
               </a:rPr>
-              <a:t>#| caption: "▶ Ctrl/Cmd+Enter | ⇥ Ctrl/Cmd+] | ⇤ Ctrl/Cmd+["
-# Create a large list and array
+              <a:t># Create a large list and array
 large_list = list(range(1_000_000))
 large_array = np.array(large_list)</a:t>
             </a:r>
@@ -4011,8 +4004,7 @@
               <a:rPr>
                 <a:latin typeface="Courier"/>
               </a:rPr>
-              <a:t>#| caption: "▶ Ctrl/Cmd+Enter | ⇥ Ctrl/Cmd+] | ⇤ Ctrl/Cmd+["
-import time
+              <a:t>import time
 #  Track the time taken for the list multiplication
 start = time.time()
 list_result = [x * 2 for x in large_list]
@@ -4163,8 +4155,7 @@
               <a:rPr>
                 <a:latin typeface="Courier"/>
               </a:rPr>
-              <a:t>#| caption: "▶ Ctrl/Cmd+Enter | ⇥ Ctrl/Cmd+] | ⇤ Ctrl/Cmd+["
-# Element-wise functions
+              <a:t># Element-wise functions
 print(f"Square root: {np.sqrt(arr1)}")
 print(f"Mean: {np.mean(arr1)}")
 print(f"Cosine: {np.cos(arr1)}")</a:t>
@@ -4200,8 +4191,7 @@
               <a:rPr>
                 <a:latin typeface="Courier"/>
               </a:rPr>
-              <a:t>#| caption: "▶ Ctrl/Cmd+Enter | ⇥ Ctrl/Cmd+] | ⇤ Ctrl/Cmd+["
-arr2 = arr1*3/2 + 5
+              <a:t>arr2 = arr1*3/2 + 5
 print(f"Original: {arr1}")
 print(f"Modified: {arr2}")</a:t>
             </a:r>
@@ -4326,8 +4316,7 @@
                   <a:rPr>
                     <a:latin typeface="Courier"/>
                   </a:rPr>
-                  <a:t>#| caption: "▶ Ctrl/Cmd+Enter | ⇥ Ctrl/Cmd+] | ⇤ Ctrl/Cmd+["
-x = np.array([1,2,3,4,5,6,7,8])</a:t>
+                  <a:t>x = np.array([1,2,3,4,5,6,7,8])</a:t>
                 </a:r>
               </a:p>
               <a:p>
@@ -4420,8 +4409,7 @@
                   <a:rPr>
                     <a:latin typeface="Courier"/>
                   </a:rPr>
-                  <a:t>#| caption: "▶ Ctrl/Cmd+Enter | ⇥ Ctrl/Cmd+] | ⇤ Ctrl/Cmd+["
-S = np.sum(x)
+                  <a:t>S = np.sum(x)
 print(S)</a:t>
                 </a:r>
               </a:p>
@@ -4612,8 +4600,7 @@
                   <a:rPr>
                     <a:latin typeface="Courier"/>
                   </a:rPr>
-                  <a:t>#| caption: "▶ Ctrl/Cmd+Enter | ⇥ Ctrl/Cmd+] | ⇤ Ctrl/Cmd+["
- y = np.cumsum(x)
+                  <a:t> y = np.cumsum(x)
  print(y)</a:t>
                 </a:r>
               </a:p>
@@ -4894,8 +4881,7 @@
                   <a:rPr>
                     <a:latin typeface="Courier"/>
                   </a:rPr>
-                  <a:t>#| caption: "▶ Ctrl/Cmd+Enter | ⇥ Ctrl/Cmd+] | ⇤ Ctrl/Cmd+["
-a = np.array([2, 1, 4])      # Number of atoms for each element
+                  <a:t>a = np.array([2, 1, 4])      # Number of atoms for each element
 m = np.array([12.01, 1.01, 16.00])  # Atomic masses (e.g., C, H, O)
 M = np.sum(a * m)
 print(f"Molecular mass: {M}")</a:t>
@@ -5021,8 +5007,7 @@
               <a:rPr>
                 <a:latin typeface="Courier"/>
               </a:rPr>
-              <a:t>#| caption: "▶ Ctrl/Cmd+Enter | ⇥ Ctrl/Cmd+] | ⇤ Ctrl/Cmd+["
-added = arr1 + arr2
+              <a:t>added = arr1 + arr2
 multiplied = arr1 * arr2
 print(f"Added: {added}")
 print(f"Multiplied: {multiplied}")</a:t>
@@ -5058,8 +5043,7 @@
               <a:rPr>
                 <a:latin typeface="Courier"/>
               </a:rPr>
-              <a:t>#| caption: "▶ Ctrl/Cmd+Enter | ⇥ Ctrl/Cmd+] | ⇤ Ctrl/Cmd+["
-arr3 = np.array([1, 2, 3])
+              <a:t>arr3 = np.array([1, 2, 3])
 arr4 = np.array([4, 5])
 result = arr3 + arr4</a:t>
             </a:r>
@@ -5176,8 +5160,7 @@
               <a:rPr>
                 <a:latin typeface="Courier"/>
               </a:rPr>
-              <a:t>#| caption: "▶ Ctrl/Cmd+Enter | ⇥ Ctrl/Cmd+] | ⇤ Ctrl/Cmd+["
-combined = np.concatenate([arr1, arr2])
+              <a:t>combined = np.concatenate([arr1, arr2])
 print(f"Unique elements: {combined}")</a:t>
             </a:r>
           </a:p>
@@ -6205,8 +6188,7 @@
               <a:rPr>
                 <a:latin typeface="Courier"/>
               </a:rPr>
-              <a:t>#| caption: "▶ Ctrl/Cmd+Enter | ⇥ Ctrl/Cmd+] | ⇤ Ctrl/Cmd+["
-list_ex = [1, 2, 3, 4]
+              <a:t>list_ex = [1, 2, 3, 4]
 print(list_ex)</a:t>
             </a:r>
           </a:p>
@@ -6240,8 +6222,7 @@
               <a:rPr>
                 <a:latin typeface="Courier"/>
               </a:rPr>
-              <a:t>#| caption: "▶ Ctrl/Cmd+Enter | ⇥ Ctrl/Cmd+] | ⇤ Ctrl/Cmd+["
-import numpy as np
+              <a:t>import numpy as np
 #notice that we explicitly call the np.array()
 arr_ex = np.array([1, 2, 3, 4]) 
 print(arr_ex)</a:t>
@@ -6392,8 +6373,7 @@
               <a:rPr>
                 <a:latin typeface="Courier"/>
               </a:rPr>
-              <a:t>#| caption: "▶ Ctrl/Cmd+Enter | ⇥ Ctrl/Cmd+] | ⇤ Ctrl/Cmd+["
-import numpy as np
+              <a:t>import numpy as np
 # Create array from list
 list1 = [1.,1.,2.,3.,5.,8.]
 arr1 = np.array(list1)
@@ -6434,8 +6414,7 @@
               <a:rPr>
                 <a:latin typeface="Courier"/>
               </a:rPr>
-              <a:t>#| caption: "▶ Ctrl/Cmd+Enter | ⇥ Ctrl/Cmd+] | ⇤ Ctrl/Cmd+["
-print(arr1.dtype)</a:t>
+              <a:t>print(arr1.dtype)</a:t>
             </a:r>
           </a:p>
           <a:p>
@@ -6568,8 +6547,7 @@
               <a:rPr>
                 <a:latin typeface="Courier"/>
               </a:rPr>
-              <a:t>#| caption: "▶ Ctrl/Cmd+Enter | ⇥ Ctrl/Cmd+] | ⇤ Ctrl/Cmd+["
-print(f"Data type: {arr1.dtype}")
+              <a:t>print(f"Data type: {arr1.dtype}")
 print(f"Shape: {arr1.shape}")
 print(f"Shape: {arr1.size}")</a:t>
             </a:r>
